--- a/Github Überblick.pptx
+++ b/Github Überblick.pptx
@@ -7,6 +7,9 @@
   <p:sldIdLst>
     <p:sldId id="256" r:id="rId2"/>
     <p:sldId id="257" r:id="rId3"/>
+    <p:sldId id="258" r:id="rId4"/>
+    <p:sldId id="259" r:id="rId5"/>
+    <p:sldId id="260" r:id="rId6"/>
   </p:sldIdLst>
   <p:sldSz cx="12192000" cy="6858000"/>
   <p:notesSz cx="6858000" cy="9144000"/>
@@ -111,7 +114,7 @@
 <file path=ppt/revisionInfo.xml><?xml version="1.0" encoding="utf-8"?>
 <p1510:revInfo xmlns:a="http://schemas.openxmlformats.org/drawingml/2006/main" xmlns:r="http://schemas.openxmlformats.org/officeDocument/2006/relationships" xmlns:p1510="http://schemas.microsoft.com/office/powerpoint/2015/10/main">
   <p1510:revLst>
-    <p1510:client id="{C08F4024-09FD-401C-94F9-953C165DAE4D}" v="13" dt="2023-02-07T20:13:57.946"/>
+    <p1510:client id="{C883B71F-C8A4-4D16-B4D8-BBE0CF7BEB73}" v="13" dt="2023-02-07T20:46:01.505"/>
   </p1510:revLst>
 </p1510:revInfo>
 </file>
@@ -3751,7 +3754,7 @@
             </a:r>
             <a:r>
               <a:rPr lang="en-US" sz="4000" dirty="0"/>
-              <a:t> Git?</a:t>
+              <a:t> Git(Hub)?</a:t>
             </a:r>
           </a:p>
         </p:txBody>
@@ -3780,7 +3783,7 @@
         </p:spPr>
         <p:txBody>
           <a:bodyPr vert="horz" lIns="91440" tIns="45720" rIns="91440" bIns="45720" rtlCol="0">
-            <a:normAutofit/>
+            <a:normAutofit fontScale="92500" lnSpcReduction="10000"/>
           </a:bodyPr>
           <a:lstStyle/>
           <a:p>
@@ -3794,15 +3797,7 @@
             </a:r>
             <a:r>
               <a:rPr lang="de-DE" sz="2000" dirty="0"/>
-              <a:t> ist eine Software zur Versionsverwaltung von </a:t>
-            </a:r>
-            <a:r>
-              <a:rPr lang="de-DE" sz="2000" err="1"/>
-              <a:t>Projekten</a:t>
-            </a:r>
-            <a:r>
-              <a:rPr lang="de-DE" sz="2000"/>
-              <a:t>.</a:t>
+              <a:t> ist eine Software zur Versionsverwaltung von Projekten.</a:t>
             </a:r>
           </a:p>
           <a:p>
@@ -3811,12 +3806,8 @@
               <a:buChar char="•"/>
             </a:pPr>
             <a:r>
-              <a:rPr lang="de-DE" sz="2000"/>
-              <a:t>Einfach </a:t>
-            </a:r>
-            <a:r>
               <a:rPr lang="de-DE" sz="2000" dirty="0"/>
-              <a:t>zu alten Ständen zurückspringen oder mit mehreren Leuten an einem Projekt arbeiten.</a:t>
+              <a:t>Einfach zu alten Ständen zurückspringen oder mit mehreren Leuten an einem Projekt arbeiten.</a:t>
             </a:r>
             <a:endParaRPr lang="en-US" sz="2000" dirty="0"/>
           </a:p>
@@ -3863,7 +3854,7 @@
             </a:r>
             <a:r>
               <a:rPr lang="en-US" sz="2000" dirty="0"/>
-              <a:t> </a:t>
+              <a:t>.</a:t>
             </a:r>
           </a:p>
           <a:p>
@@ -3871,13 +3862,49 @@
               <a:buFont typeface="Arial" panose="020B0604020202020204" pitchFamily="34" charset="0"/>
               <a:buChar char="•"/>
             </a:pPr>
-            <a:endParaRPr lang="en-US" sz="2000" dirty="0"/>
-          </a:p>
-          <a:p>
-            <a:pPr indent="-228600">
-              <a:buFont typeface="Arial" panose="020B0604020202020204" pitchFamily="34" charset="0"/>
-              <a:buChar char="•"/>
-            </a:pPr>
+            <a:r>
+              <a:rPr lang="de-DE" sz="2000" dirty="0"/>
+              <a:t>In der Kommandozeile des Betriebssystems </a:t>
+            </a:r>
+            <a:br>
+              <a:rPr lang="de-DE" sz="2000" dirty="0"/>
+            </a:br>
+            <a:r>
+              <a:rPr lang="de-DE" sz="2000" dirty="0"/>
+              <a:t>(oder auch </a:t>
+            </a:r>
+            <a:r>
+              <a:rPr lang="de-DE" sz="2000" dirty="0" err="1"/>
+              <a:t>Gitbash</a:t>
+            </a:r>
+            <a:r>
+              <a:rPr lang="de-DE" sz="2000" dirty="0"/>
+              <a:t>) bedienbar oder </a:t>
+            </a:r>
+            <a:r>
+              <a:rPr lang="de-DE" sz="2000" dirty="0" err="1"/>
+              <a:t>z.B</a:t>
+            </a:r>
+            <a:r>
+              <a:rPr lang="de-DE" sz="2000" dirty="0"/>
+              <a:t> in </a:t>
+            </a:r>
+            <a:r>
+              <a:rPr lang="de-DE" sz="2000" dirty="0" err="1"/>
+              <a:t>Github</a:t>
+            </a:r>
+            <a:r>
+              <a:rPr lang="de-DE" sz="2000" dirty="0"/>
+              <a:t> Desktop, einem </a:t>
+            </a:r>
+            <a:r>
+              <a:rPr lang="de-DE" sz="2000" dirty="0" err="1"/>
+              <a:t>Git</a:t>
+            </a:r>
+            <a:r>
+              <a:rPr lang="de-DE" sz="2000" dirty="0"/>
+              <a:t>-Client mit grafischer Benutzeroberfläche. </a:t>
+            </a:r>
             <a:endParaRPr lang="en-US" sz="2000" dirty="0"/>
           </a:p>
         </p:txBody>
@@ -3886,6 +3913,982 @@
     <p:extLst>
       <p:ext uri="{BB962C8B-B14F-4D97-AF65-F5344CB8AC3E}">
         <p14:creationId xmlns:p14="http://schemas.microsoft.com/office/powerpoint/2010/main" val="1511319606"/>
+      </p:ext>
+    </p:extLst>
+  </p:cSld>
+  <p:clrMapOvr>
+    <a:masterClrMapping/>
+  </p:clrMapOvr>
+</p:sld>
+</file>
+
+<file path=ppt/slides/slide3.xml><?xml version="1.0" encoding="utf-8"?>
+<p:sld xmlns:a="http://schemas.openxmlformats.org/drawingml/2006/main" xmlns:r="http://schemas.openxmlformats.org/officeDocument/2006/relationships" xmlns:p="http://schemas.openxmlformats.org/presentationml/2006/main">
+  <p:cSld>
+    <p:bg>
+      <p:bgPr>
+        <a:solidFill>
+          <a:schemeClr val="bg1"/>
+        </a:solidFill>
+        <a:effectLst/>
+      </p:bgPr>
+    </p:bg>
+    <p:spTree>
+      <p:nvGrpSpPr>
+        <p:cNvPr id="1" name=""/>
+        <p:cNvGrpSpPr/>
+        <p:nvPr/>
+      </p:nvGrpSpPr>
+      <p:grpSpPr>
+        <a:xfrm>
+          <a:off x="0" y="0"/>
+          <a:ext cx="0" cy="0"/>
+          <a:chOff x="0" y="0"/>
+          <a:chExt cx="0" cy="0"/>
+        </a:xfrm>
+      </p:grpSpPr>
+      <p:sp>
+        <p:nvSpPr>
+          <p:cNvPr id="1031" name="Down Arrow 7">
+            <a:extLst>
+              <a:ext uri="{FF2B5EF4-FFF2-40B4-BE49-F238E27FC236}">
+                <a16:creationId xmlns:a16="http://schemas.microsoft.com/office/drawing/2014/main" id="{D4771268-CB57-404A-9271-370EB28F6090}"/>
+              </a:ext>
+              <a:ext uri="{C183D7F6-B498-43B3-948B-1728B52AA6E4}">
+                <adec:decorative xmlns:adec="http://schemas.microsoft.com/office/drawing/2017/decorative" val="1"/>
+              </a:ext>
+            </a:extLst>
+          </p:cNvPr>
+          <p:cNvSpPr>
+            <a:spLocks noGrp="1" noRot="1" noChangeAspect="1" noMove="1" noResize="1" noEditPoints="1" noAdjustHandles="1" noChangeArrowheads="1" noChangeShapeType="1" noTextEdit="1"/>
+          </p:cNvSpPr>
+          <p:nvPr>
+            <p:extLst>
+              <p:ext uri="{386F3935-93C4-4BCD-93E2-E3B085C9AB24}">
+                <p16:designElem xmlns:p16="http://schemas.microsoft.com/office/powerpoint/2015/main" val="1"/>
+              </p:ext>
+            </p:extLst>
+          </p:nvPr>
+        </p:nvSpPr>
+        <p:spPr>
+          <a:xfrm rot="16200000">
+            <a:off x="800100" y="1491343"/>
+            <a:ext cx="3333749" cy="3499103"/>
+          </a:xfrm>
+          <a:prstGeom prst="downArrow">
+            <a:avLst>
+              <a:gd name="adj1" fmla="val 100000"/>
+              <a:gd name="adj2" fmla="val 15788"/>
+            </a:avLst>
+          </a:prstGeom>
+          <a:solidFill>
+            <a:srgbClr val="404040"/>
+          </a:solidFill>
+          <a:ln w="53975">
+            <a:noFill/>
+          </a:ln>
+        </p:spPr>
+        <p:style>
+          <a:lnRef idx="2">
+            <a:schemeClr val="accent1">
+              <a:shade val="50000"/>
+            </a:schemeClr>
+          </a:lnRef>
+          <a:fillRef idx="1">
+            <a:schemeClr val="accent1"/>
+          </a:fillRef>
+          <a:effectRef idx="0">
+            <a:schemeClr val="accent1"/>
+          </a:effectRef>
+          <a:fontRef idx="minor">
+            <a:schemeClr val="lt1"/>
+          </a:fontRef>
+        </p:style>
+        <p:txBody>
+          <a:bodyPr rtlCol="0" anchor="ctr"/>
+          <a:lstStyle/>
+          <a:p>
+            <a:pPr algn="ctr"/>
+            <a:endParaRPr lang="en-US"/>
+          </a:p>
+        </p:txBody>
+      </p:sp>
+      <p:sp>
+        <p:nvSpPr>
+          <p:cNvPr id="5" name="Titel 4">
+            <a:extLst>
+              <a:ext uri="{FF2B5EF4-FFF2-40B4-BE49-F238E27FC236}">
+                <a16:creationId xmlns:a16="http://schemas.microsoft.com/office/drawing/2014/main" id="{6672F7D8-B80C-713C-E473-9E63559964CA}"/>
+              </a:ext>
+            </a:extLst>
+          </p:cNvPr>
+          <p:cNvSpPr>
+            <a:spLocks noGrp="1"/>
+          </p:cNvSpPr>
+          <p:nvPr>
+            <p:ph type="title"/>
+          </p:nvPr>
+        </p:nvSpPr>
+        <p:spPr>
+          <a:xfrm>
+            <a:off x="1028700" y="1967266"/>
+            <a:ext cx="2628900" cy="2547257"/>
+          </a:xfrm>
+          <a:noFill/>
+        </p:spPr>
+        <p:txBody>
+          <a:bodyPr vert="horz" lIns="91440" tIns="45720" rIns="91440" bIns="45720" rtlCol="0" anchor="ctr">
+            <a:normAutofit/>
+          </a:bodyPr>
+          <a:lstStyle/>
+          <a:p>
+            <a:pPr algn="ctr"/>
+            <a:r>
+              <a:rPr lang="en-US" sz="3600" kern="1200">
+                <a:solidFill>
+                  <a:srgbClr val="FFFFFF"/>
+                </a:solidFill>
+                <a:latin typeface="+mj-lt"/>
+                <a:ea typeface="+mj-ea"/>
+                <a:cs typeface="+mj-cs"/>
+              </a:rPr>
+              <a:t>Ein Beispiel</a:t>
+            </a:r>
+          </a:p>
+        </p:txBody>
+      </p:sp>
+      <p:pic>
+        <p:nvPicPr>
+          <p:cNvPr id="1026" name="Picture 2" descr="Git Branches: List, Create, Switch to, Merge, Push, &amp; Delete">
+            <a:extLst>
+              <a:ext uri="{FF2B5EF4-FFF2-40B4-BE49-F238E27FC236}">
+                <a16:creationId xmlns:a16="http://schemas.microsoft.com/office/drawing/2014/main" id="{71C6979C-0FA3-4ECF-649F-833DFFF9F20F}"/>
+              </a:ext>
+            </a:extLst>
+          </p:cNvPr>
+          <p:cNvPicPr>
+            <a:picLocks noGrp="1" noChangeAspect="1" noChangeArrowheads="1"/>
+          </p:cNvPicPr>
+          <p:nvPr>
+            <p:ph idx="1"/>
+          </p:nvPr>
+        </p:nvPicPr>
+        <p:blipFill>
+          <a:blip r:embed="rId2">
+            <a:extLst>
+              <a:ext uri="{28A0092B-C50C-407E-A947-70E740481C1C}">
+                <a14:useLocalDpi xmlns:a14="http://schemas.microsoft.com/office/drawing/2010/main" val="0"/>
+              </a:ext>
+            </a:extLst>
+          </a:blip>
+          <a:stretch>
+            <a:fillRect/>
+          </a:stretch>
+        </p:blipFill>
+        <p:spPr bwMode="auto">
+          <a:xfrm>
+            <a:off x="4777316" y="1690631"/>
+            <a:ext cx="6780700" cy="3474408"/>
+          </a:xfrm>
+          <a:prstGeom prst="rect">
+            <a:avLst/>
+          </a:prstGeom>
+          <a:noFill/>
+          <a:extLst>
+            <a:ext uri="{909E8E84-426E-40DD-AFC4-6F175D3DCCD1}">
+              <a14:hiddenFill xmlns:a14="http://schemas.microsoft.com/office/drawing/2010/main">
+                <a:solidFill>
+                  <a:srgbClr val="FFFFFF"/>
+                </a:solidFill>
+              </a14:hiddenFill>
+            </a:ext>
+          </a:extLst>
+        </p:spPr>
+      </p:pic>
+    </p:spTree>
+    <p:extLst>
+      <p:ext uri="{BB962C8B-B14F-4D97-AF65-F5344CB8AC3E}">
+        <p14:creationId xmlns:p14="http://schemas.microsoft.com/office/powerpoint/2010/main" val="3600103461"/>
+      </p:ext>
+    </p:extLst>
+  </p:cSld>
+  <p:clrMapOvr>
+    <a:masterClrMapping/>
+  </p:clrMapOvr>
+</p:sld>
+</file>
+
+<file path=ppt/slides/slide4.xml><?xml version="1.0" encoding="utf-8"?>
+<p:sld xmlns:a="http://schemas.openxmlformats.org/drawingml/2006/main" xmlns:r="http://schemas.openxmlformats.org/officeDocument/2006/relationships" xmlns:p="http://schemas.openxmlformats.org/presentationml/2006/main">
+  <p:cSld>
+    <p:bg>
+      <p:bgPr>
+        <a:solidFill>
+          <a:schemeClr val="bg1"/>
+        </a:solidFill>
+        <a:effectLst/>
+      </p:bgPr>
+    </p:bg>
+    <p:spTree>
+      <p:nvGrpSpPr>
+        <p:cNvPr id="1" name=""/>
+        <p:cNvGrpSpPr/>
+        <p:nvPr/>
+      </p:nvGrpSpPr>
+      <p:grpSpPr>
+        <a:xfrm>
+          <a:off x="0" y="0"/>
+          <a:ext cx="0" cy="0"/>
+          <a:chOff x="0" y="0"/>
+          <a:chExt cx="0" cy="0"/>
+        </a:xfrm>
+      </p:grpSpPr>
+      <p:sp>
+        <p:nvSpPr>
+          <p:cNvPr id="2055" name="Down Arrow 7">
+            <a:extLst>
+              <a:ext uri="{FF2B5EF4-FFF2-40B4-BE49-F238E27FC236}">
+                <a16:creationId xmlns:a16="http://schemas.microsoft.com/office/drawing/2014/main" id="{D4771268-CB57-404A-9271-370EB28F6090}"/>
+              </a:ext>
+              <a:ext uri="{C183D7F6-B498-43B3-948B-1728B52AA6E4}">
+                <adec:decorative xmlns:adec="http://schemas.microsoft.com/office/drawing/2017/decorative" val="1"/>
+              </a:ext>
+            </a:extLst>
+          </p:cNvPr>
+          <p:cNvSpPr>
+            <a:spLocks noGrp="1" noRot="1" noChangeAspect="1" noMove="1" noResize="1" noEditPoints="1" noAdjustHandles="1" noChangeArrowheads="1" noChangeShapeType="1" noTextEdit="1"/>
+          </p:cNvSpPr>
+          <p:nvPr>
+            <p:extLst>
+              <p:ext uri="{386F3935-93C4-4BCD-93E2-E3B085C9AB24}">
+                <p16:designElem xmlns:p16="http://schemas.microsoft.com/office/powerpoint/2015/main" val="1"/>
+              </p:ext>
+            </p:extLst>
+          </p:nvPr>
+        </p:nvSpPr>
+        <p:spPr>
+          <a:xfrm rot="16200000">
+            <a:off x="800100" y="1491343"/>
+            <a:ext cx="3333749" cy="3499103"/>
+          </a:xfrm>
+          <a:prstGeom prst="downArrow">
+            <a:avLst>
+              <a:gd name="adj1" fmla="val 100000"/>
+              <a:gd name="adj2" fmla="val 15788"/>
+            </a:avLst>
+          </a:prstGeom>
+          <a:solidFill>
+            <a:srgbClr val="404040"/>
+          </a:solidFill>
+          <a:ln w="53975">
+            <a:noFill/>
+          </a:ln>
+        </p:spPr>
+        <p:style>
+          <a:lnRef idx="2">
+            <a:schemeClr val="accent1">
+              <a:shade val="50000"/>
+            </a:schemeClr>
+          </a:lnRef>
+          <a:fillRef idx="1">
+            <a:schemeClr val="accent1"/>
+          </a:fillRef>
+          <a:effectRef idx="0">
+            <a:schemeClr val="accent1"/>
+          </a:effectRef>
+          <a:fontRef idx="minor">
+            <a:schemeClr val="lt1"/>
+          </a:fontRef>
+        </p:style>
+        <p:txBody>
+          <a:bodyPr rtlCol="0" anchor="ctr"/>
+          <a:lstStyle/>
+          <a:p>
+            <a:pPr algn="ctr"/>
+            <a:endParaRPr lang="en-US"/>
+          </a:p>
+        </p:txBody>
+      </p:sp>
+      <p:sp>
+        <p:nvSpPr>
+          <p:cNvPr id="2" name="Titel 1">
+            <a:extLst>
+              <a:ext uri="{FF2B5EF4-FFF2-40B4-BE49-F238E27FC236}">
+                <a16:creationId xmlns:a16="http://schemas.microsoft.com/office/drawing/2014/main" id="{D7E6E2A1-425D-32F3-6650-C0329AF9287C}"/>
+              </a:ext>
+            </a:extLst>
+          </p:cNvPr>
+          <p:cNvSpPr>
+            <a:spLocks noGrp="1"/>
+          </p:cNvSpPr>
+          <p:nvPr>
+            <p:ph type="title"/>
+          </p:nvPr>
+        </p:nvSpPr>
+        <p:spPr>
+          <a:xfrm>
+            <a:off x="1028700" y="1967266"/>
+            <a:ext cx="2628900" cy="2547257"/>
+          </a:xfrm>
+          <a:noFill/>
+        </p:spPr>
+        <p:txBody>
+          <a:bodyPr vert="horz" lIns="91440" tIns="45720" rIns="91440" bIns="45720" rtlCol="0" anchor="ctr">
+            <a:normAutofit/>
+          </a:bodyPr>
+          <a:lstStyle/>
+          <a:p>
+            <a:pPr algn="ctr"/>
+            <a:r>
+              <a:rPr lang="en-US" sz="3600" kern="1200" dirty="0">
+                <a:solidFill>
+                  <a:srgbClr val="FFFFFF"/>
+                </a:solidFill>
+                <a:latin typeface="+mj-lt"/>
+                <a:ea typeface="+mj-ea"/>
+                <a:cs typeface="+mj-cs"/>
+              </a:rPr>
+              <a:t>Was </a:t>
+            </a:r>
+            <a:r>
+              <a:rPr lang="en-US" sz="3600" kern="1200" dirty="0" err="1">
+                <a:solidFill>
+                  <a:srgbClr val="FFFFFF"/>
+                </a:solidFill>
+                <a:latin typeface="+mj-lt"/>
+                <a:ea typeface="+mj-ea"/>
+                <a:cs typeface="+mj-cs"/>
+              </a:rPr>
+              <a:t>ist</a:t>
+            </a:r>
+            <a:r>
+              <a:rPr lang="en-US" sz="3600" kern="1200" dirty="0">
+                <a:solidFill>
+                  <a:srgbClr val="FFFFFF"/>
+                </a:solidFill>
+                <a:latin typeface="+mj-lt"/>
+                <a:ea typeface="+mj-ea"/>
+                <a:cs typeface="+mj-cs"/>
+              </a:rPr>
+              <a:t> </a:t>
+            </a:r>
+            <a:r>
+              <a:rPr lang="en-US" sz="3600" kern="1200" dirty="0" err="1">
+                <a:solidFill>
+                  <a:srgbClr val="FFFFFF"/>
+                </a:solidFill>
+                <a:latin typeface="+mj-lt"/>
+                <a:ea typeface="+mj-ea"/>
+                <a:cs typeface="+mj-cs"/>
+              </a:rPr>
+              <a:t>ein</a:t>
+            </a:r>
+            <a:r>
+              <a:rPr lang="en-US" sz="3600" kern="1200" dirty="0">
+                <a:solidFill>
+                  <a:srgbClr val="FFFFFF"/>
+                </a:solidFill>
+                <a:latin typeface="+mj-lt"/>
+                <a:ea typeface="+mj-ea"/>
+                <a:cs typeface="+mj-cs"/>
+              </a:rPr>
+              <a:t> Pull/Merge?</a:t>
+            </a:r>
+          </a:p>
+        </p:txBody>
+      </p:sp>
+      <p:pic>
+        <p:nvPicPr>
+          <p:cNvPr id="2050" name="Picture 2" descr="How to enforce good Pull Requests on Github">
+            <a:extLst>
+              <a:ext uri="{FF2B5EF4-FFF2-40B4-BE49-F238E27FC236}">
+                <a16:creationId xmlns:a16="http://schemas.microsoft.com/office/drawing/2014/main" id="{ED773F46-90A9-ACAF-17EF-F4F09DE98CEB}"/>
+              </a:ext>
+            </a:extLst>
+          </p:cNvPr>
+          <p:cNvPicPr>
+            <a:picLocks noGrp="1" noChangeAspect="1" noChangeArrowheads="1"/>
+          </p:cNvPicPr>
+          <p:nvPr>
+            <p:ph idx="1"/>
+          </p:nvPr>
+        </p:nvPicPr>
+        <p:blipFill>
+          <a:blip r:embed="rId2">
+            <a:extLst>
+              <a:ext uri="{28A0092B-C50C-407E-A947-70E740481C1C}">
+                <a14:useLocalDpi xmlns:a14="http://schemas.microsoft.com/office/drawing/2010/main" val="0"/>
+              </a:ext>
+            </a:extLst>
+          </a:blip>
+          <a:stretch>
+            <a:fillRect/>
+          </a:stretch>
+        </p:blipFill>
+        <p:spPr bwMode="auto">
+          <a:xfrm>
+            <a:off x="4750811" y="94098"/>
+            <a:ext cx="6780700" cy="3746336"/>
+          </a:xfrm>
+          <a:prstGeom prst="rect">
+            <a:avLst/>
+          </a:prstGeom>
+          <a:noFill/>
+          <a:extLst>
+            <a:ext uri="{909E8E84-426E-40DD-AFC4-6F175D3DCCD1}">
+              <a14:hiddenFill xmlns:a14="http://schemas.microsoft.com/office/drawing/2010/main">
+                <a:solidFill>
+                  <a:srgbClr val="FFFFFF"/>
+                </a:solidFill>
+              </a14:hiddenFill>
+            </a:ext>
+          </a:extLst>
+        </p:spPr>
+      </p:pic>
+      <p:sp>
+        <p:nvSpPr>
+          <p:cNvPr id="4" name="Textfeld 3">
+            <a:extLst>
+              <a:ext uri="{FF2B5EF4-FFF2-40B4-BE49-F238E27FC236}">
+                <a16:creationId xmlns:a16="http://schemas.microsoft.com/office/drawing/2014/main" id="{E9B45A72-F24B-8E8A-BF15-F0D9264E0AE8}"/>
+              </a:ext>
+            </a:extLst>
+          </p:cNvPr>
+          <p:cNvSpPr txBox="1"/>
+          <p:nvPr/>
+        </p:nvSpPr>
+        <p:spPr>
+          <a:xfrm>
+            <a:off x="4216526" y="4081670"/>
+            <a:ext cx="7823074" cy="1477328"/>
+          </a:xfrm>
+          <a:prstGeom prst="rect">
+            <a:avLst/>
+          </a:prstGeom>
+          <a:noFill/>
+        </p:spPr>
+        <p:txBody>
+          <a:bodyPr wrap="square" rtlCol="0">
+            <a:spAutoFit/>
+          </a:bodyPr>
+          <a:lstStyle/>
+          <a:p>
+            <a:pPr marL="285750" indent="-285750">
+              <a:buFont typeface="Arial" panose="020B0604020202020204" pitchFamily="34" charset="0"/>
+              <a:buChar char="•"/>
+            </a:pPr>
+            <a:r>
+              <a:rPr lang="de-DE" dirty="0"/>
+              <a:t>Ein Pull Request ist im Prinzip nichts anderes als eine Anfrage die gestellt wird, um Änderungen am Code in den Master-Branch übernehmen zu lassen.</a:t>
+            </a:r>
+          </a:p>
+          <a:p>
+            <a:pPr marL="285750" indent="-285750">
+              <a:buFont typeface="Arial" panose="020B0604020202020204" pitchFamily="34" charset="0"/>
+              <a:buChar char="•"/>
+            </a:pPr>
+            <a:r>
+              <a:rPr lang="de-DE"/>
+              <a:t>Als gutes Vorgehen hat sich dabei etabliert, dass der Entwickler Kommentare hinzufügt, die dem Repository-Verantwortlichen schnell einen Überblick geben, was mit dem Pull Request erreicht werden soll.</a:t>
+            </a:r>
+            <a:endParaRPr lang="de-DE" dirty="0"/>
+          </a:p>
+        </p:txBody>
+      </p:sp>
+    </p:spTree>
+    <p:extLst>
+      <p:ext uri="{BB962C8B-B14F-4D97-AF65-F5344CB8AC3E}">
+        <p14:creationId xmlns:p14="http://schemas.microsoft.com/office/powerpoint/2010/main" val="1392576064"/>
+      </p:ext>
+    </p:extLst>
+  </p:cSld>
+  <p:clrMapOvr>
+    <a:masterClrMapping/>
+  </p:clrMapOvr>
+</p:sld>
+</file>
+
+<file path=ppt/slides/slide5.xml><?xml version="1.0" encoding="utf-8"?>
+<p:sld xmlns:a="http://schemas.openxmlformats.org/drawingml/2006/main" xmlns:r="http://schemas.openxmlformats.org/officeDocument/2006/relationships" xmlns:p="http://schemas.openxmlformats.org/presentationml/2006/main">
+  <p:cSld>
+    <p:bg>
+      <p:bgPr>
+        <a:solidFill>
+          <a:schemeClr val="bg1"/>
+        </a:solidFill>
+        <a:effectLst/>
+      </p:bgPr>
+    </p:bg>
+    <p:spTree>
+      <p:nvGrpSpPr>
+        <p:cNvPr id="1" name=""/>
+        <p:cNvGrpSpPr/>
+        <p:nvPr/>
+      </p:nvGrpSpPr>
+      <p:grpSpPr>
+        <a:xfrm>
+          <a:off x="0" y="0"/>
+          <a:ext cx="0" cy="0"/>
+          <a:chOff x="0" y="0"/>
+          <a:chExt cx="0" cy="0"/>
+        </a:xfrm>
+      </p:grpSpPr>
+      <p:sp useBgFill="1">
+        <p:nvSpPr>
+          <p:cNvPr id="8" name="Rectangle 7">
+            <a:extLst>
+              <a:ext uri="{FF2B5EF4-FFF2-40B4-BE49-F238E27FC236}">
+                <a16:creationId xmlns:a16="http://schemas.microsoft.com/office/drawing/2014/main" id="{C7FA33FF-088D-4F16-95A2-2C64D353DEA8}"/>
+              </a:ext>
+              <a:ext uri="{C183D7F6-B498-43B3-948B-1728B52AA6E4}">
+                <adec:decorative xmlns:adec="http://schemas.microsoft.com/office/drawing/2017/decorative" val="1"/>
+              </a:ext>
+            </a:extLst>
+          </p:cNvPr>
+          <p:cNvSpPr>
+            <a:spLocks noGrp="1" noRot="1" noChangeAspect="1" noMove="1" noResize="1" noEditPoints="1" noAdjustHandles="1" noChangeArrowheads="1" noChangeShapeType="1" noTextEdit="1"/>
+          </p:cNvSpPr>
+          <p:nvPr>
+            <p:extLst>
+              <p:ext uri="{386F3935-93C4-4BCD-93E2-E3B085C9AB24}">
+                <p16:designElem xmlns:p16="http://schemas.microsoft.com/office/powerpoint/2015/main" val="1"/>
+              </p:ext>
+            </p:extLst>
+          </p:nvPr>
+        </p:nvSpPr>
+        <p:spPr>
+          <a:xfrm>
+            <a:off x="1524" y="0"/>
+            <a:ext cx="12188952" cy="6858000"/>
+          </a:xfrm>
+          <a:prstGeom prst="rect">
+            <a:avLst/>
+          </a:prstGeom>
+          <a:ln>
+            <a:noFill/>
+          </a:ln>
+        </p:spPr>
+        <p:style>
+          <a:lnRef idx="2">
+            <a:schemeClr val="accent1">
+              <a:shade val="50000"/>
+            </a:schemeClr>
+          </a:lnRef>
+          <a:fillRef idx="1">
+            <a:schemeClr val="accent1"/>
+          </a:fillRef>
+          <a:effectRef idx="0">
+            <a:schemeClr val="accent1"/>
+          </a:effectRef>
+          <a:fontRef idx="minor">
+            <a:schemeClr val="lt1"/>
+          </a:fontRef>
+        </p:style>
+        <p:txBody>
+          <a:bodyPr rtlCol="0" anchor="ctr"/>
+          <a:lstStyle/>
+          <a:p>
+            <a:pPr marL="0" marR="0" lvl="0" indent="0" algn="ctr" defTabSz="914400" rtl="0" eaLnBrk="1" fontAlgn="auto" latinLnBrk="0" hangingPunct="1">
+              <a:lnSpc>
+                <a:spcPct val="100000"/>
+              </a:lnSpc>
+              <a:spcBef>
+                <a:spcPts val="0"/>
+              </a:spcBef>
+              <a:spcAft>
+                <a:spcPts val="0"/>
+              </a:spcAft>
+              <a:buClrTx/>
+              <a:buSzTx/>
+              <a:buFontTx/>
+              <a:buNone/>
+              <a:tabLst/>
+              <a:defRPr/>
+            </a:pPr>
+            <a:endParaRPr kumimoji="0" lang="en-US" sz="1800" b="0" i="0" u="none" strike="noStrike" kern="1200" cap="none" spc="0" normalizeH="0" baseline="0" noProof="0">
+              <a:ln>
+                <a:noFill/>
+              </a:ln>
+              <a:solidFill>
+                <a:prstClr val="white"/>
+              </a:solidFill>
+              <a:effectLst/>
+              <a:uLnTx/>
+              <a:uFillTx/>
+              <a:latin typeface="Calibri" panose="020F0502020204030204"/>
+              <a:ea typeface="+mn-ea"/>
+              <a:cs typeface="+mn-cs"/>
+            </a:endParaRPr>
+          </a:p>
+        </p:txBody>
+      </p:sp>
+      <p:sp>
+        <p:nvSpPr>
+          <p:cNvPr id="10" name="Rectangle 9">
+            <a:extLst>
+              <a:ext uri="{FF2B5EF4-FFF2-40B4-BE49-F238E27FC236}">
+                <a16:creationId xmlns:a16="http://schemas.microsoft.com/office/drawing/2014/main" id="{A376EFB1-01CF-419F-ABF1-2AF02BBFCBD1}"/>
+              </a:ext>
+              <a:ext uri="{C183D7F6-B498-43B3-948B-1728B52AA6E4}">
+                <adec:decorative xmlns:adec="http://schemas.microsoft.com/office/drawing/2017/decorative" val="1"/>
+              </a:ext>
+            </a:extLst>
+          </p:cNvPr>
+          <p:cNvSpPr>
+            <a:spLocks noGrp="1" noRot="1" noChangeAspect="1" noMove="1" noResize="1" noEditPoints="1" noAdjustHandles="1" noChangeArrowheads="1" noChangeShapeType="1" noTextEdit="1"/>
+          </p:cNvSpPr>
+          <p:nvPr>
+            <p:extLst>
+              <p:ext uri="{386F3935-93C4-4BCD-93E2-E3B085C9AB24}">
+                <p16:designElem xmlns:p16="http://schemas.microsoft.com/office/powerpoint/2015/main" val="1"/>
+              </p:ext>
+            </p:extLst>
+          </p:nvPr>
+        </p:nvSpPr>
+        <p:spPr>
+          <a:xfrm>
+            <a:off x="0" y="0"/>
+            <a:ext cx="4709160" cy="6858000"/>
+          </a:xfrm>
+          <a:prstGeom prst="rect">
+            <a:avLst/>
+          </a:prstGeom>
+          <a:solidFill>
+            <a:schemeClr val="tx1">
+              <a:alpha val="81000"/>
+            </a:schemeClr>
+          </a:solidFill>
+          <a:ln>
+            <a:noFill/>
+          </a:ln>
+        </p:spPr>
+        <p:style>
+          <a:lnRef idx="2">
+            <a:schemeClr val="accent1">
+              <a:shade val="50000"/>
+            </a:schemeClr>
+          </a:lnRef>
+          <a:fillRef idx="1">
+            <a:schemeClr val="accent1"/>
+          </a:fillRef>
+          <a:effectRef idx="0">
+            <a:schemeClr val="accent1"/>
+          </a:effectRef>
+          <a:fontRef idx="minor">
+            <a:schemeClr val="lt1"/>
+          </a:fontRef>
+        </p:style>
+        <p:txBody>
+          <a:bodyPr rtlCol="0" anchor="ctr"/>
+          <a:lstStyle/>
+          <a:p>
+            <a:pPr marL="0" marR="0" lvl="0" indent="0" algn="ctr" defTabSz="914400" rtl="0" eaLnBrk="1" fontAlgn="auto" latinLnBrk="0" hangingPunct="1">
+              <a:lnSpc>
+                <a:spcPct val="100000"/>
+              </a:lnSpc>
+              <a:spcBef>
+                <a:spcPts val="0"/>
+              </a:spcBef>
+              <a:spcAft>
+                <a:spcPts val="0"/>
+              </a:spcAft>
+              <a:buClrTx/>
+              <a:buSzTx/>
+              <a:buFontTx/>
+              <a:buNone/>
+              <a:tabLst/>
+              <a:defRPr/>
+            </a:pPr>
+            <a:endParaRPr kumimoji="0" lang="en-US" sz="1800" b="0" i="0" u="none" strike="noStrike" kern="1200" cap="none" spc="0" normalizeH="0" baseline="0" noProof="0">
+              <a:ln>
+                <a:noFill/>
+              </a:ln>
+              <a:solidFill>
+                <a:prstClr val="white"/>
+              </a:solidFill>
+              <a:effectLst/>
+              <a:uLnTx/>
+              <a:uFillTx/>
+              <a:latin typeface="Calibri" panose="020F0502020204030204"/>
+              <a:ea typeface="+mn-ea"/>
+              <a:cs typeface="+mn-cs"/>
+            </a:endParaRPr>
+          </a:p>
+        </p:txBody>
+      </p:sp>
+      <p:sp>
+        <p:nvSpPr>
+          <p:cNvPr id="12" name="Freeform: Shape 11">
+            <a:extLst>
+              <a:ext uri="{FF2B5EF4-FFF2-40B4-BE49-F238E27FC236}">
+                <a16:creationId xmlns:a16="http://schemas.microsoft.com/office/drawing/2014/main" id="{FF9DEA15-78BD-4750-AA18-B9F28A6D5AB8}"/>
+              </a:ext>
+              <a:ext uri="{C183D7F6-B498-43B3-948B-1728B52AA6E4}">
+                <adec:decorative xmlns:adec="http://schemas.microsoft.com/office/drawing/2017/decorative" val="1"/>
+              </a:ext>
+            </a:extLst>
+          </p:cNvPr>
+          <p:cNvSpPr>
+            <a:spLocks noGrp="1" noRot="1" noChangeAspect="1" noMove="1" noResize="1" noEditPoints="1" noAdjustHandles="1" noChangeArrowheads="1" noChangeShapeType="1" noTextEdit="1"/>
+          </p:cNvSpPr>
+          <p:nvPr>
+            <p:extLst>
+              <p:ext uri="{386F3935-93C4-4BCD-93E2-E3B085C9AB24}">
+                <p16:designElem xmlns:p16="http://schemas.microsoft.com/office/powerpoint/2015/main" val="1"/>
+              </p:ext>
+            </p:extLst>
+          </p:nvPr>
+        </p:nvSpPr>
+        <p:spPr>
+          <a:xfrm>
+            <a:off x="0" y="0"/>
+            <a:ext cx="3284331" cy="6858000"/>
+          </a:xfrm>
+          <a:custGeom>
+            <a:avLst/>
+            <a:gdLst>
+              <a:gd name="connsiteX0" fmla="*/ 0 w 4319042"/>
+              <a:gd name="connsiteY0" fmla="*/ 0 h 6858000"/>
+              <a:gd name="connsiteX1" fmla="*/ 1142888 w 4319042"/>
+              <a:gd name="connsiteY1" fmla="*/ 0 h 6858000"/>
+              <a:gd name="connsiteX2" fmla="*/ 4319042 w 4319042"/>
+              <a:gd name="connsiteY2" fmla="*/ 6858000 h 6858000"/>
+              <a:gd name="connsiteX3" fmla="*/ 0 w 4319042"/>
+              <a:gd name="connsiteY3" fmla="*/ 6858000 h 6858000"/>
+            </a:gdLst>
+            <a:ahLst/>
+            <a:cxnLst>
+              <a:cxn ang="0">
+                <a:pos x="connsiteX0" y="connsiteY0"/>
+              </a:cxn>
+              <a:cxn ang="0">
+                <a:pos x="connsiteX1" y="connsiteY1"/>
+              </a:cxn>
+              <a:cxn ang="0">
+                <a:pos x="connsiteX2" y="connsiteY2"/>
+              </a:cxn>
+              <a:cxn ang="0">
+                <a:pos x="connsiteX3" y="connsiteY3"/>
+              </a:cxn>
+            </a:cxnLst>
+            <a:rect l="l" t="t" r="r" b="b"/>
+            <a:pathLst>
+              <a:path w="4319042" h="6858000">
+                <a:moveTo>
+                  <a:pt x="0" y="0"/>
+                </a:moveTo>
+                <a:lnTo>
+                  <a:pt x="1142888" y="0"/>
+                </a:lnTo>
+                <a:lnTo>
+                  <a:pt x="4319042" y="6858000"/>
+                </a:lnTo>
+                <a:lnTo>
+                  <a:pt x="0" y="6858000"/>
+                </a:lnTo>
+                <a:close/>
+              </a:path>
+            </a:pathLst>
+          </a:custGeom>
+          <a:solidFill>
+            <a:schemeClr val="tx1">
+              <a:alpha val="35000"/>
+            </a:schemeClr>
+          </a:solidFill>
+          <a:ln>
+            <a:noFill/>
+          </a:ln>
+        </p:spPr>
+        <p:style>
+          <a:lnRef idx="2">
+            <a:schemeClr val="accent1">
+              <a:shade val="50000"/>
+            </a:schemeClr>
+          </a:lnRef>
+          <a:fillRef idx="1">
+            <a:schemeClr val="accent1"/>
+          </a:fillRef>
+          <a:effectRef idx="0">
+            <a:schemeClr val="accent1"/>
+          </a:effectRef>
+          <a:fontRef idx="minor">
+            <a:schemeClr val="lt1"/>
+          </a:fontRef>
+        </p:style>
+        <p:txBody>
+          <a:bodyPr wrap="square" rtlCol="0" anchor="ctr">
+            <a:noAutofit/>
+          </a:bodyPr>
+          <a:lstStyle/>
+          <a:p>
+            <a:pPr marL="0" marR="0" lvl="0" indent="0" algn="ctr" defTabSz="914400" rtl="0" eaLnBrk="1" fontAlgn="auto" latinLnBrk="0" hangingPunct="1">
+              <a:lnSpc>
+                <a:spcPct val="100000"/>
+              </a:lnSpc>
+              <a:spcBef>
+                <a:spcPts val="0"/>
+              </a:spcBef>
+              <a:spcAft>
+                <a:spcPts val="0"/>
+              </a:spcAft>
+              <a:buClrTx/>
+              <a:buSzTx/>
+              <a:buFontTx/>
+              <a:buNone/>
+              <a:tabLst/>
+              <a:defRPr/>
+            </a:pPr>
+            <a:endParaRPr kumimoji="0" lang="en-US" sz="1800" b="0" i="0" u="none" strike="noStrike" kern="1200" cap="none" spc="0" normalizeH="0" baseline="0" noProof="0">
+              <a:ln>
+                <a:noFill/>
+              </a:ln>
+              <a:solidFill>
+                <a:prstClr val="white"/>
+              </a:solidFill>
+              <a:effectLst/>
+              <a:uLnTx/>
+              <a:uFillTx/>
+              <a:latin typeface="Calibri" panose="020F0502020204030204"/>
+              <a:ea typeface="+mn-ea"/>
+              <a:cs typeface="+mn-cs"/>
+            </a:endParaRPr>
+          </a:p>
+        </p:txBody>
+      </p:sp>
+      <p:sp>
+        <p:nvSpPr>
+          <p:cNvPr id="2" name="Titel 1">
+            <a:extLst>
+              <a:ext uri="{FF2B5EF4-FFF2-40B4-BE49-F238E27FC236}">
+                <a16:creationId xmlns:a16="http://schemas.microsoft.com/office/drawing/2014/main" id="{E96276EE-E12C-7E79-C45A-F7D2FD1CFB06}"/>
+              </a:ext>
+            </a:extLst>
+          </p:cNvPr>
+          <p:cNvSpPr>
+            <a:spLocks noGrp="1"/>
+          </p:cNvSpPr>
+          <p:nvPr>
+            <p:ph type="title"/>
+          </p:nvPr>
+        </p:nvSpPr>
+        <p:spPr>
+          <a:xfrm>
+            <a:off x="804672" y="640080"/>
+            <a:ext cx="3282696" cy="5257800"/>
+          </a:xfrm>
+        </p:spPr>
+        <p:txBody>
+          <a:bodyPr>
+            <a:normAutofit/>
+          </a:bodyPr>
+          <a:lstStyle/>
+          <a:p>
+            <a:r>
+              <a:rPr lang="de-DE">
+                <a:solidFill>
+                  <a:schemeClr val="bg1"/>
+                </a:solidFill>
+              </a:rPr>
+              <a:t>Wichtige Kommandos für Git</a:t>
+            </a:r>
+          </a:p>
+        </p:txBody>
+      </p:sp>
+      <p:sp>
+        <p:nvSpPr>
+          <p:cNvPr id="3" name="Inhaltsplatzhalter 2">
+            <a:extLst>
+              <a:ext uri="{FF2B5EF4-FFF2-40B4-BE49-F238E27FC236}">
+                <a16:creationId xmlns:a16="http://schemas.microsoft.com/office/drawing/2014/main" id="{3F2A1F59-99A0-15F3-29CA-D0D4EB7CE231}"/>
+              </a:ext>
+            </a:extLst>
+          </p:cNvPr>
+          <p:cNvSpPr>
+            <a:spLocks noGrp="1"/>
+          </p:cNvSpPr>
+          <p:nvPr>
+            <p:ph idx="1"/>
+          </p:nvPr>
+        </p:nvSpPr>
+        <p:spPr>
+          <a:xfrm>
+            <a:off x="5358384" y="640081"/>
+            <a:ext cx="6024654" cy="5257800"/>
+          </a:xfrm>
+        </p:spPr>
+        <p:txBody>
+          <a:bodyPr anchor="ctr">
+            <a:normAutofit/>
+          </a:bodyPr>
+          <a:lstStyle/>
+          <a:p>
+            <a:r>
+              <a:rPr lang="de-DE" sz="2400" dirty="0" err="1"/>
+              <a:t>git</a:t>
+            </a:r>
+            <a:r>
+              <a:rPr lang="de-DE" sz="2400" dirty="0"/>
+              <a:t> </a:t>
+            </a:r>
+            <a:r>
+              <a:rPr lang="de-DE" sz="2400" dirty="0" err="1"/>
+              <a:t>init</a:t>
+            </a:r>
+            <a:r>
+              <a:rPr lang="de-DE" sz="2400" dirty="0"/>
+              <a:t>: Initialisieren eines lokalen </a:t>
+            </a:r>
+            <a:r>
+              <a:rPr lang="de-DE" sz="2400" dirty="0" err="1"/>
+              <a:t>Git</a:t>
+            </a:r>
+            <a:r>
+              <a:rPr lang="de-DE" sz="2400" dirty="0"/>
+              <a:t>-Projekts lokal. Kann man später auf GitHub hochladen.</a:t>
+            </a:r>
+          </a:p>
+          <a:p>
+            <a:r>
+              <a:rPr lang="de-DE" sz="2400" dirty="0" err="1"/>
+              <a:t>git</a:t>
+            </a:r>
+            <a:r>
+              <a:rPr lang="de-DE" sz="2400" dirty="0"/>
+              <a:t> </a:t>
+            </a:r>
+            <a:r>
+              <a:rPr lang="de-DE" sz="2400" dirty="0" err="1"/>
+              <a:t>add</a:t>
+            </a:r>
+            <a:r>
+              <a:rPr lang="de-DE" sz="2400" dirty="0"/>
+              <a:t>: Dateien zur Beobachtungsliste hinzufügen. Dieser Schritt ist zwingend erforderlich, um Ihre Arbeit anschließend auf das Repository zu laden.</a:t>
+            </a:r>
+          </a:p>
+          <a:p>
+            <a:r>
+              <a:rPr lang="de-DE" sz="2400" dirty="0" err="1"/>
+              <a:t>git</a:t>
+            </a:r>
+            <a:r>
+              <a:rPr lang="de-DE" sz="2400" dirty="0"/>
+              <a:t> </a:t>
+            </a:r>
+            <a:r>
+              <a:rPr lang="de-DE" sz="2400" dirty="0" err="1"/>
+              <a:t>commit</a:t>
+            </a:r>
+            <a:r>
+              <a:rPr lang="de-DE" sz="2400" dirty="0"/>
+              <a:t>: Mit einem Commit hält man die Änderungen fest. Dies ist ein Stand, zu dem man jederzeit zurückgehen kann. Dateien müssen mit einem Commit gesichert werden, bevor sie an ein entferntes Repository gesendet werden können.</a:t>
+            </a:r>
+          </a:p>
+        </p:txBody>
+      </p:sp>
+    </p:spTree>
+    <p:extLst>
+      <p:ext uri="{BB962C8B-B14F-4D97-AF65-F5344CB8AC3E}">
+        <p14:creationId xmlns:p14="http://schemas.microsoft.com/office/powerpoint/2010/main" val="1626909146"/>
       </p:ext>
     </p:extLst>
   </p:cSld>

--- a/Github Überblick.pptx
+++ b/Github Überblick.pptx
@@ -109,14 +109,6 @@
     </a:lvl9pPr>
   </p:defaultTextStyle>
 </p:presentation>
-</file>
-
-<file path=ppt/revisionInfo.xml><?xml version="1.0" encoding="utf-8"?>
-<p1510:revInfo xmlns:a="http://schemas.openxmlformats.org/drawingml/2006/main" xmlns:r="http://schemas.openxmlformats.org/officeDocument/2006/relationships" xmlns:p1510="http://schemas.microsoft.com/office/powerpoint/2015/10/main">
-  <p1510:revLst>
-    <p1510:client id="{C883B71F-C8A4-4D16-B4D8-BBE0CF7BEB73}" v="13" dt="2023-02-07T20:46:01.505"/>
-  </p1510:revLst>
-</p1510:revInfo>
 </file>
 
 <file path=ppt/slideLayouts/slideLayout1.xml><?xml version="1.0" encoding="utf-8"?>
@@ -3905,6 +3897,12 @@
               <a:rPr lang="de-DE" sz="2000" dirty="0"/>
               <a:t>-Client mit grafischer Benutzeroberfläche. </a:t>
             </a:r>
+          </a:p>
+          <a:p>
+            <a:pPr indent="-228600">
+              <a:buFont typeface="Arial" panose="020B0604020202020204" pitchFamily="34" charset="0"/>
+              <a:buChar char="•"/>
+            </a:pPr>
             <a:endParaRPr lang="en-US" sz="2000" dirty="0"/>
           </a:p>
         </p:txBody>
@@ -4388,10 +4386,9 @@
               <a:buChar char="•"/>
             </a:pPr>
             <a:r>
-              <a:rPr lang="de-DE"/>
+              <a:rPr lang="de-DE" dirty="0"/>
               <a:t>Als gutes Vorgehen hat sich dabei etabliert, dass der Entwickler Kommentare hinzufügt, die dem Repository-Verantwortlichen schnell einen Überblick geben, was mit dem Pull Request erreicht werden soll.</a:t>
             </a:r>
-            <a:endParaRPr lang="de-DE" dirty="0"/>
           </a:p>
         </p:txBody>
       </p:sp>
@@ -4435,7 +4432,7 @@
       </p:grpSpPr>
       <p:sp useBgFill="1">
         <p:nvSpPr>
-          <p:cNvPr id="8" name="Rectangle 7">
+          <p:cNvPr id="17" name="Rectangle 16">
             <a:extLst>
               <a:ext uri="{FF2B5EF4-FFF2-40B4-BE49-F238E27FC236}">
                 <a16:creationId xmlns:a16="http://schemas.microsoft.com/office/drawing/2014/main" id="{C7FA33FF-088D-4F16-95A2-2C64D353DEA8}"/>
@@ -4524,7 +4521,7 @@
       </p:sp>
       <p:sp>
         <p:nvSpPr>
-          <p:cNvPr id="10" name="Rectangle 9">
+          <p:cNvPr id="19" name="Rectangle 18">
             <a:extLst>
               <a:ext uri="{FF2B5EF4-FFF2-40B4-BE49-F238E27FC236}">
                 <a16:creationId xmlns:a16="http://schemas.microsoft.com/office/drawing/2014/main" id="{A376EFB1-01CF-419F-ABF1-2AF02BBFCBD1}"/>
@@ -4618,7 +4615,7 @@
       </p:sp>
       <p:sp>
         <p:nvSpPr>
-          <p:cNvPr id="12" name="Freeform: Shape 11">
+          <p:cNvPr id="21" name="Freeform: Shape 20">
             <a:extLst>
               <a:ext uri="{FF2B5EF4-FFF2-40B4-BE49-F238E27FC236}">
                 <a16:creationId xmlns:a16="http://schemas.microsoft.com/office/drawing/2014/main" id="{FF9DEA15-78BD-4750-AA18-B9F28A6D5AB8}"/>
@@ -4823,63 +4820,90 @@
           <a:lstStyle/>
           <a:p>
             <a:r>
-              <a:rPr lang="de-DE" sz="2400" dirty="0" err="1"/>
+              <a:rPr lang="de-DE" sz="2000" dirty="0" err="1"/>
               <a:t>git</a:t>
             </a:r>
             <a:r>
-              <a:rPr lang="de-DE" sz="2400" dirty="0"/>
+              <a:rPr lang="de-DE" sz="2000" dirty="0"/>
               <a:t> </a:t>
             </a:r>
             <a:r>
-              <a:rPr lang="de-DE" sz="2400" dirty="0" err="1"/>
+              <a:rPr lang="de-DE" sz="2000" dirty="0" err="1"/>
               <a:t>init</a:t>
             </a:r>
             <a:r>
-              <a:rPr lang="de-DE" sz="2400" dirty="0"/>
+              <a:rPr lang="de-DE" sz="2000" dirty="0"/>
               <a:t>: Initialisieren eines lokalen </a:t>
             </a:r>
             <a:r>
-              <a:rPr lang="de-DE" sz="2400" dirty="0" err="1"/>
+              <a:rPr lang="de-DE" sz="2000" dirty="0" err="1"/>
               <a:t>Git</a:t>
             </a:r>
             <a:r>
-              <a:rPr lang="de-DE" sz="2400" dirty="0"/>
+              <a:rPr lang="de-DE" sz="2000" dirty="0"/>
               <a:t>-Projekts lokal. Kann man später auf GitHub hochladen.</a:t>
             </a:r>
           </a:p>
           <a:p>
             <a:r>
-              <a:rPr lang="de-DE" sz="2400" dirty="0" err="1"/>
+              <a:rPr lang="de-DE" sz="2000" dirty="0" err="1"/>
               <a:t>git</a:t>
             </a:r>
             <a:r>
-              <a:rPr lang="de-DE" sz="2400" dirty="0"/>
+              <a:rPr lang="de-DE" sz="2000" dirty="0"/>
               <a:t> </a:t>
             </a:r>
             <a:r>
-              <a:rPr lang="de-DE" sz="2400" dirty="0" err="1"/>
+              <a:rPr lang="de-DE" sz="2000" dirty="0" err="1"/>
               <a:t>add</a:t>
             </a:r>
             <a:r>
-              <a:rPr lang="de-DE" sz="2400" dirty="0"/>
+              <a:rPr lang="de-DE" sz="2000" dirty="0"/>
               <a:t>: Dateien zur Beobachtungsliste hinzufügen. Dieser Schritt ist zwingend erforderlich, um Ihre Arbeit anschließend auf das Repository zu laden.</a:t>
             </a:r>
           </a:p>
           <a:p>
             <a:r>
-              <a:rPr lang="de-DE" sz="2400" dirty="0" err="1"/>
+              <a:rPr lang="de-DE" sz="2000" dirty="0" err="1"/>
               <a:t>git</a:t>
             </a:r>
             <a:r>
-              <a:rPr lang="de-DE" sz="2400" dirty="0"/>
+              <a:rPr lang="de-DE" sz="2000" dirty="0"/>
+              <a:t> push: Mit einem Push senden Sie alle </a:t>
+            </a:r>
+            <a:r>
+              <a:rPr lang="de-DE" sz="2000" dirty="0" err="1"/>
+              <a:t>Commits</a:t>
+            </a:r>
+            <a:r>
+              <a:rPr lang="de-DE" sz="2000" dirty="0"/>
+              <a:t> an das entfernte Repository auf den Servern von </a:t>
+            </a:r>
+            <a:r>
+              <a:rPr lang="de-DE" sz="2000" dirty="0" err="1"/>
+              <a:t>Github</a:t>
+            </a:r>
+            <a:r>
+              <a:rPr lang="de-DE" sz="2000"/>
+              <a:t> oder dem gewählten anderen Anbieter.</a:t>
+            </a:r>
+            <a:endParaRPr lang="de-DE" sz="2000" dirty="0"/>
+          </a:p>
+          <a:p>
+            <a:r>
+              <a:rPr lang="de-DE" sz="2000" dirty="0" err="1"/>
+              <a:t>git</a:t>
+            </a:r>
+            <a:r>
+              <a:rPr lang="de-DE" sz="2000" dirty="0"/>
               <a:t> </a:t>
             </a:r>
             <a:r>
-              <a:rPr lang="de-DE" sz="2400" dirty="0" err="1"/>
+              <a:rPr lang="de-DE" sz="2000" dirty="0" err="1"/>
               <a:t>commit</a:t>
             </a:r>
             <a:r>
-              <a:rPr lang="de-DE" sz="2400" dirty="0"/>
+              <a:rPr lang="de-DE" sz="2000" dirty="0"/>
               <a:t>: Mit einem Commit hält man die Änderungen fest. Dies ist ein Stand, zu dem man jederzeit zurückgehen kann. Dateien müssen mit einem Commit gesichert werden, bevor sie an ein entferntes Repository gesendet werden können.</a:t>
             </a:r>
           </a:p>

--- a/Github Überblick.pptx
+++ b/Github Überblick.pptx
@@ -7,6 +7,14 @@
   <p:sldIdLst>
     <p:sldId id="256" r:id="rId2"/>
     <p:sldId id="257" r:id="rId3"/>
+    <p:sldId id="258" r:id="rId4"/>
+    <p:sldId id="259" r:id="rId5"/>
+    <p:sldId id="261" r:id="rId6"/>
+    <p:sldId id="262" r:id="rId7"/>
+    <p:sldId id="263" r:id="rId8"/>
+    <p:sldId id="264" r:id="rId9"/>
+    <p:sldId id="265" r:id="rId10"/>
+    <p:sldId id="260" r:id="rId11"/>
   </p:sldIdLst>
   <p:sldSz cx="12192000" cy="6858000"/>
   <p:notesSz cx="6858000" cy="9144000"/>
@@ -105,13 +113,18 @@
       </a:defRPr>
     </a:lvl9pPr>
   </p:defaultTextStyle>
+  <p:extLst>
+    <p:ext uri="{EFAFB233-063F-42B5-8137-9DF3F51BA10A}">
+      <p15:sldGuideLst xmlns:p15="http://schemas.microsoft.com/office/powerpoint/2012/main"/>
+    </p:ext>
+  </p:extLst>
 </p:presentation>
 </file>
 
 <file path=ppt/revisionInfo.xml><?xml version="1.0" encoding="utf-8"?>
 <p1510:revInfo xmlns:a="http://schemas.openxmlformats.org/drawingml/2006/main" xmlns:r="http://schemas.openxmlformats.org/officeDocument/2006/relationships" xmlns:p1510="http://schemas.microsoft.com/office/powerpoint/2015/10/main">
   <p1510:revLst>
-    <p1510:client id="{C08F4024-09FD-401C-94F9-953C165DAE4D}" v="13" dt="2023-02-07T20:13:57.946"/>
+    <p1510:client id="{58A0760F-A47F-480A-9A3D-0D6BA890B8E9}" v="13" dt="2023-02-08T07:25:30.455"/>
   </p1510:revLst>
 </p1510:revInfo>
 </file>
@@ -263,7 +276,7 @@
           <a:p>
             <a:fld id="{AAFCE12E-8DE2-4303-A82D-BCBCE604E65F}" type="datetimeFigureOut">
               <a:rPr lang="de-DE" smtClean="0"/>
-              <a:t>07.02.2023</a:t>
+              <a:t>08.02.2023</a:t>
             </a:fld>
             <a:endParaRPr lang="de-DE"/>
           </a:p>
@@ -461,7 +474,7 @@
           <a:p>
             <a:fld id="{AAFCE12E-8DE2-4303-A82D-BCBCE604E65F}" type="datetimeFigureOut">
               <a:rPr lang="de-DE" smtClean="0"/>
-              <a:t>07.02.2023</a:t>
+              <a:t>08.02.2023</a:t>
             </a:fld>
             <a:endParaRPr lang="de-DE"/>
           </a:p>
@@ -669,7 +682,7 @@
           <a:p>
             <a:fld id="{AAFCE12E-8DE2-4303-A82D-BCBCE604E65F}" type="datetimeFigureOut">
               <a:rPr lang="de-DE" smtClean="0"/>
-              <a:t>07.02.2023</a:t>
+              <a:t>08.02.2023</a:t>
             </a:fld>
             <a:endParaRPr lang="de-DE"/>
           </a:p>
@@ -867,7 +880,7 @@
           <a:p>
             <a:fld id="{AAFCE12E-8DE2-4303-A82D-BCBCE604E65F}" type="datetimeFigureOut">
               <a:rPr lang="de-DE" smtClean="0"/>
-              <a:t>07.02.2023</a:t>
+              <a:t>08.02.2023</a:t>
             </a:fld>
             <a:endParaRPr lang="de-DE"/>
           </a:p>
@@ -1142,7 +1155,7 @@
           <a:p>
             <a:fld id="{AAFCE12E-8DE2-4303-A82D-BCBCE604E65F}" type="datetimeFigureOut">
               <a:rPr lang="de-DE" smtClean="0"/>
-              <a:t>07.02.2023</a:t>
+              <a:t>08.02.2023</a:t>
             </a:fld>
             <a:endParaRPr lang="de-DE"/>
           </a:p>
@@ -1407,7 +1420,7 @@
           <a:p>
             <a:fld id="{AAFCE12E-8DE2-4303-A82D-BCBCE604E65F}" type="datetimeFigureOut">
               <a:rPr lang="de-DE" smtClean="0"/>
-              <a:t>07.02.2023</a:t>
+              <a:t>08.02.2023</a:t>
             </a:fld>
             <a:endParaRPr lang="de-DE"/>
           </a:p>
@@ -1819,7 +1832,7 @@
           <a:p>
             <a:fld id="{AAFCE12E-8DE2-4303-A82D-BCBCE604E65F}" type="datetimeFigureOut">
               <a:rPr lang="de-DE" smtClean="0"/>
-              <a:t>07.02.2023</a:t>
+              <a:t>08.02.2023</a:t>
             </a:fld>
             <a:endParaRPr lang="de-DE"/>
           </a:p>
@@ -1960,7 +1973,7 @@
           <a:p>
             <a:fld id="{AAFCE12E-8DE2-4303-A82D-BCBCE604E65F}" type="datetimeFigureOut">
               <a:rPr lang="de-DE" smtClean="0"/>
-              <a:t>07.02.2023</a:t>
+              <a:t>08.02.2023</a:t>
             </a:fld>
             <a:endParaRPr lang="de-DE"/>
           </a:p>
@@ -2073,7 +2086,7 @@
           <a:p>
             <a:fld id="{AAFCE12E-8DE2-4303-A82D-BCBCE604E65F}" type="datetimeFigureOut">
               <a:rPr lang="de-DE" smtClean="0"/>
-              <a:t>07.02.2023</a:t>
+              <a:t>08.02.2023</a:t>
             </a:fld>
             <a:endParaRPr lang="de-DE"/>
           </a:p>
@@ -2384,7 +2397,7 @@
           <a:p>
             <a:fld id="{AAFCE12E-8DE2-4303-A82D-BCBCE604E65F}" type="datetimeFigureOut">
               <a:rPr lang="de-DE" smtClean="0"/>
-              <a:t>07.02.2023</a:t>
+              <a:t>08.02.2023</a:t>
             </a:fld>
             <a:endParaRPr lang="de-DE"/>
           </a:p>
@@ -2672,7 +2685,7 @@
           <a:p>
             <a:fld id="{AAFCE12E-8DE2-4303-A82D-BCBCE604E65F}" type="datetimeFigureOut">
               <a:rPr lang="de-DE" smtClean="0"/>
-              <a:t>07.02.2023</a:t>
+              <a:t>08.02.2023</a:t>
             </a:fld>
             <a:endParaRPr lang="de-DE"/>
           </a:p>
@@ -2913,7 +2926,7 @@
           <a:p>
             <a:fld id="{AAFCE12E-8DE2-4303-A82D-BCBCE604E65F}" type="datetimeFigureOut">
               <a:rPr lang="de-DE" smtClean="0"/>
-              <a:t>07.02.2023</a:t>
+              <a:t>08.02.2023</a:t>
             </a:fld>
             <a:endParaRPr lang="de-DE"/>
           </a:p>
@@ -3484,6 +3497,799 @@
 </p:sld>
 </file>
 
+<file path=ppt/slides/slide10.xml><?xml version="1.0" encoding="utf-8"?>
+<p:sld xmlns:a="http://schemas.openxmlformats.org/drawingml/2006/main" xmlns:r="http://schemas.openxmlformats.org/officeDocument/2006/relationships" xmlns:p="http://schemas.openxmlformats.org/presentationml/2006/main">
+  <p:cSld>
+    <p:bg>
+      <p:bgPr>
+        <a:solidFill>
+          <a:schemeClr val="bg1"/>
+        </a:solidFill>
+        <a:effectLst/>
+      </p:bgPr>
+    </p:bg>
+    <p:spTree>
+      <p:nvGrpSpPr>
+        <p:cNvPr id="1" name=""/>
+        <p:cNvGrpSpPr/>
+        <p:nvPr/>
+      </p:nvGrpSpPr>
+      <p:grpSpPr>
+        <a:xfrm>
+          <a:off x="0" y="0"/>
+          <a:ext cx="0" cy="0"/>
+          <a:chOff x="0" y="0"/>
+          <a:chExt cx="0" cy="0"/>
+        </a:xfrm>
+      </p:grpSpPr>
+      <p:sp useBgFill="1">
+        <p:nvSpPr>
+          <p:cNvPr id="17" name="Rectangle 16">
+            <a:extLst>
+              <a:ext uri="{FF2B5EF4-FFF2-40B4-BE49-F238E27FC236}">
+                <a16:creationId xmlns:a16="http://schemas.microsoft.com/office/drawing/2014/main" id="{C7FA33FF-088D-4F16-95A2-2C64D353DEA8}"/>
+              </a:ext>
+              <a:ext uri="{C183D7F6-B498-43B3-948B-1728B52AA6E4}">
+                <adec:decorative xmlns:adec="http://schemas.microsoft.com/office/drawing/2017/decorative" val="1"/>
+              </a:ext>
+            </a:extLst>
+          </p:cNvPr>
+          <p:cNvSpPr>
+            <a:spLocks noGrp="1" noRot="1" noChangeAspect="1" noMove="1" noResize="1" noEditPoints="1" noAdjustHandles="1" noChangeArrowheads="1" noChangeShapeType="1" noTextEdit="1"/>
+          </p:cNvSpPr>
+          <p:nvPr>
+            <p:extLst>
+              <p:ext uri="{386F3935-93C4-4BCD-93E2-E3B085C9AB24}">
+                <p16:designElem xmlns:p16="http://schemas.microsoft.com/office/powerpoint/2015/main" val="1"/>
+              </p:ext>
+            </p:extLst>
+          </p:nvPr>
+        </p:nvSpPr>
+        <p:spPr>
+          <a:xfrm>
+            <a:off x="1524" y="0"/>
+            <a:ext cx="12188952" cy="6858000"/>
+          </a:xfrm>
+          <a:prstGeom prst="rect">
+            <a:avLst/>
+          </a:prstGeom>
+          <a:ln>
+            <a:noFill/>
+          </a:ln>
+        </p:spPr>
+        <p:style>
+          <a:lnRef idx="2">
+            <a:schemeClr val="accent1">
+              <a:shade val="50000"/>
+            </a:schemeClr>
+          </a:lnRef>
+          <a:fillRef idx="1">
+            <a:schemeClr val="accent1"/>
+          </a:fillRef>
+          <a:effectRef idx="0">
+            <a:schemeClr val="accent1"/>
+          </a:effectRef>
+          <a:fontRef idx="minor">
+            <a:schemeClr val="lt1"/>
+          </a:fontRef>
+        </p:style>
+        <p:txBody>
+          <a:bodyPr rtlCol="0" anchor="ctr"/>
+          <a:lstStyle/>
+          <a:p>
+            <a:pPr marL="0" marR="0" lvl="0" indent="0" algn="ctr" defTabSz="914400" rtl="0" eaLnBrk="1" fontAlgn="auto" latinLnBrk="0" hangingPunct="1">
+              <a:lnSpc>
+                <a:spcPct val="100000"/>
+              </a:lnSpc>
+              <a:spcBef>
+                <a:spcPts val="0"/>
+              </a:spcBef>
+              <a:spcAft>
+                <a:spcPts val="0"/>
+              </a:spcAft>
+              <a:buClrTx/>
+              <a:buSzTx/>
+              <a:buFontTx/>
+              <a:buNone/>
+              <a:tabLst/>
+              <a:defRPr/>
+            </a:pPr>
+            <a:endParaRPr kumimoji="0" lang="en-US" sz="1800" b="0" i="0" u="none" strike="noStrike" kern="1200" cap="none" spc="0" normalizeH="0" baseline="0" noProof="0">
+              <a:ln>
+                <a:noFill/>
+              </a:ln>
+              <a:solidFill>
+                <a:prstClr val="white"/>
+              </a:solidFill>
+              <a:effectLst/>
+              <a:uLnTx/>
+              <a:uFillTx/>
+              <a:latin typeface="Calibri" panose="020F0502020204030204"/>
+              <a:ea typeface="+mn-ea"/>
+              <a:cs typeface="+mn-cs"/>
+            </a:endParaRPr>
+          </a:p>
+        </p:txBody>
+      </p:sp>
+      <p:sp>
+        <p:nvSpPr>
+          <p:cNvPr id="19" name="Rectangle 18">
+            <a:extLst>
+              <a:ext uri="{FF2B5EF4-FFF2-40B4-BE49-F238E27FC236}">
+                <a16:creationId xmlns:a16="http://schemas.microsoft.com/office/drawing/2014/main" id="{A376EFB1-01CF-419F-ABF1-2AF02BBFCBD1}"/>
+              </a:ext>
+              <a:ext uri="{C183D7F6-B498-43B3-948B-1728B52AA6E4}">
+                <adec:decorative xmlns:adec="http://schemas.microsoft.com/office/drawing/2017/decorative" val="1"/>
+              </a:ext>
+            </a:extLst>
+          </p:cNvPr>
+          <p:cNvSpPr>
+            <a:spLocks noGrp="1" noRot="1" noChangeAspect="1" noMove="1" noResize="1" noEditPoints="1" noAdjustHandles="1" noChangeArrowheads="1" noChangeShapeType="1" noTextEdit="1"/>
+          </p:cNvSpPr>
+          <p:nvPr>
+            <p:extLst>
+              <p:ext uri="{386F3935-93C4-4BCD-93E2-E3B085C9AB24}">
+                <p16:designElem xmlns:p16="http://schemas.microsoft.com/office/powerpoint/2015/main" val="1"/>
+              </p:ext>
+            </p:extLst>
+          </p:nvPr>
+        </p:nvSpPr>
+        <p:spPr>
+          <a:xfrm>
+            <a:off x="0" y="0"/>
+            <a:ext cx="4709160" cy="6858000"/>
+          </a:xfrm>
+          <a:prstGeom prst="rect">
+            <a:avLst/>
+          </a:prstGeom>
+          <a:solidFill>
+            <a:schemeClr val="tx1">
+              <a:alpha val="81000"/>
+            </a:schemeClr>
+          </a:solidFill>
+          <a:ln>
+            <a:noFill/>
+          </a:ln>
+        </p:spPr>
+        <p:style>
+          <a:lnRef idx="2">
+            <a:schemeClr val="accent1">
+              <a:shade val="50000"/>
+            </a:schemeClr>
+          </a:lnRef>
+          <a:fillRef idx="1">
+            <a:schemeClr val="accent1"/>
+          </a:fillRef>
+          <a:effectRef idx="0">
+            <a:schemeClr val="accent1"/>
+          </a:effectRef>
+          <a:fontRef idx="minor">
+            <a:schemeClr val="lt1"/>
+          </a:fontRef>
+        </p:style>
+        <p:txBody>
+          <a:bodyPr rtlCol="0" anchor="ctr"/>
+          <a:lstStyle/>
+          <a:p>
+            <a:pPr marL="0" marR="0" lvl="0" indent="0" algn="ctr" defTabSz="914400" rtl="0" eaLnBrk="1" fontAlgn="auto" latinLnBrk="0" hangingPunct="1">
+              <a:lnSpc>
+                <a:spcPct val="100000"/>
+              </a:lnSpc>
+              <a:spcBef>
+                <a:spcPts val="0"/>
+              </a:spcBef>
+              <a:spcAft>
+                <a:spcPts val="0"/>
+              </a:spcAft>
+              <a:buClrTx/>
+              <a:buSzTx/>
+              <a:buFontTx/>
+              <a:buNone/>
+              <a:tabLst/>
+              <a:defRPr/>
+            </a:pPr>
+            <a:endParaRPr kumimoji="0" lang="en-US" sz="1800" b="0" i="0" u="none" strike="noStrike" kern="1200" cap="none" spc="0" normalizeH="0" baseline="0" noProof="0">
+              <a:ln>
+                <a:noFill/>
+              </a:ln>
+              <a:solidFill>
+                <a:prstClr val="white"/>
+              </a:solidFill>
+              <a:effectLst/>
+              <a:uLnTx/>
+              <a:uFillTx/>
+              <a:latin typeface="Calibri" panose="020F0502020204030204"/>
+              <a:ea typeface="+mn-ea"/>
+              <a:cs typeface="+mn-cs"/>
+            </a:endParaRPr>
+          </a:p>
+        </p:txBody>
+      </p:sp>
+      <p:sp>
+        <p:nvSpPr>
+          <p:cNvPr id="21" name="Freeform: Shape 20">
+            <a:extLst>
+              <a:ext uri="{FF2B5EF4-FFF2-40B4-BE49-F238E27FC236}">
+                <a16:creationId xmlns:a16="http://schemas.microsoft.com/office/drawing/2014/main" id="{FF9DEA15-78BD-4750-AA18-B9F28A6D5AB8}"/>
+              </a:ext>
+              <a:ext uri="{C183D7F6-B498-43B3-948B-1728B52AA6E4}">
+                <adec:decorative xmlns:adec="http://schemas.microsoft.com/office/drawing/2017/decorative" val="1"/>
+              </a:ext>
+            </a:extLst>
+          </p:cNvPr>
+          <p:cNvSpPr>
+            <a:spLocks noGrp="1" noRot="1" noChangeAspect="1" noMove="1" noResize="1" noEditPoints="1" noAdjustHandles="1" noChangeArrowheads="1" noChangeShapeType="1" noTextEdit="1"/>
+          </p:cNvSpPr>
+          <p:nvPr>
+            <p:extLst>
+              <p:ext uri="{386F3935-93C4-4BCD-93E2-E3B085C9AB24}">
+                <p16:designElem xmlns:p16="http://schemas.microsoft.com/office/powerpoint/2015/main" val="1"/>
+              </p:ext>
+            </p:extLst>
+          </p:nvPr>
+        </p:nvSpPr>
+        <p:spPr>
+          <a:xfrm>
+            <a:off x="0" y="0"/>
+            <a:ext cx="3284331" cy="6858000"/>
+          </a:xfrm>
+          <a:custGeom>
+            <a:avLst/>
+            <a:gdLst>
+              <a:gd name="connsiteX0" fmla="*/ 0 w 4319042"/>
+              <a:gd name="connsiteY0" fmla="*/ 0 h 6858000"/>
+              <a:gd name="connsiteX1" fmla="*/ 1142888 w 4319042"/>
+              <a:gd name="connsiteY1" fmla="*/ 0 h 6858000"/>
+              <a:gd name="connsiteX2" fmla="*/ 4319042 w 4319042"/>
+              <a:gd name="connsiteY2" fmla="*/ 6858000 h 6858000"/>
+              <a:gd name="connsiteX3" fmla="*/ 0 w 4319042"/>
+              <a:gd name="connsiteY3" fmla="*/ 6858000 h 6858000"/>
+            </a:gdLst>
+            <a:ahLst/>
+            <a:cxnLst>
+              <a:cxn ang="0">
+                <a:pos x="connsiteX0" y="connsiteY0"/>
+              </a:cxn>
+              <a:cxn ang="0">
+                <a:pos x="connsiteX1" y="connsiteY1"/>
+              </a:cxn>
+              <a:cxn ang="0">
+                <a:pos x="connsiteX2" y="connsiteY2"/>
+              </a:cxn>
+              <a:cxn ang="0">
+                <a:pos x="connsiteX3" y="connsiteY3"/>
+              </a:cxn>
+            </a:cxnLst>
+            <a:rect l="l" t="t" r="r" b="b"/>
+            <a:pathLst>
+              <a:path w="4319042" h="6858000">
+                <a:moveTo>
+                  <a:pt x="0" y="0"/>
+                </a:moveTo>
+                <a:lnTo>
+                  <a:pt x="1142888" y="0"/>
+                </a:lnTo>
+                <a:lnTo>
+                  <a:pt x="4319042" y="6858000"/>
+                </a:lnTo>
+                <a:lnTo>
+                  <a:pt x="0" y="6858000"/>
+                </a:lnTo>
+                <a:close/>
+              </a:path>
+            </a:pathLst>
+          </a:custGeom>
+          <a:solidFill>
+            <a:schemeClr val="tx1">
+              <a:alpha val="35000"/>
+            </a:schemeClr>
+          </a:solidFill>
+          <a:ln>
+            <a:noFill/>
+          </a:ln>
+        </p:spPr>
+        <p:style>
+          <a:lnRef idx="2">
+            <a:schemeClr val="accent1">
+              <a:shade val="50000"/>
+            </a:schemeClr>
+          </a:lnRef>
+          <a:fillRef idx="1">
+            <a:schemeClr val="accent1"/>
+          </a:fillRef>
+          <a:effectRef idx="0">
+            <a:schemeClr val="accent1"/>
+          </a:effectRef>
+          <a:fontRef idx="minor">
+            <a:schemeClr val="lt1"/>
+          </a:fontRef>
+        </p:style>
+        <p:txBody>
+          <a:bodyPr wrap="square" rtlCol="0" anchor="ctr">
+            <a:noAutofit/>
+          </a:bodyPr>
+          <a:lstStyle/>
+          <a:p>
+            <a:pPr marL="0" marR="0" lvl="0" indent="0" algn="ctr" defTabSz="914400" rtl="0" eaLnBrk="1" fontAlgn="auto" latinLnBrk="0" hangingPunct="1">
+              <a:lnSpc>
+                <a:spcPct val="100000"/>
+              </a:lnSpc>
+              <a:spcBef>
+                <a:spcPts val="0"/>
+              </a:spcBef>
+              <a:spcAft>
+                <a:spcPts val="0"/>
+              </a:spcAft>
+              <a:buClrTx/>
+              <a:buSzTx/>
+              <a:buFontTx/>
+              <a:buNone/>
+              <a:tabLst/>
+              <a:defRPr/>
+            </a:pPr>
+            <a:endParaRPr kumimoji="0" lang="en-US" sz="1800" b="0" i="0" u="none" strike="noStrike" kern="1200" cap="none" spc="0" normalizeH="0" baseline="0" noProof="0">
+              <a:ln>
+                <a:noFill/>
+              </a:ln>
+              <a:solidFill>
+                <a:prstClr val="white"/>
+              </a:solidFill>
+              <a:effectLst/>
+              <a:uLnTx/>
+              <a:uFillTx/>
+              <a:latin typeface="Calibri" panose="020F0502020204030204"/>
+              <a:ea typeface="+mn-ea"/>
+              <a:cs typeface="+mn-cs"/>
+            </a:endParaRPr>
+          </a:p>
+        </p:txBody>
+      </p:sp>
+      <p:sp>
+        <p:nvSpPr>
+          <p:cNvPr id="2" name="Titel 1">
+            <a:extLst>
+              <a:ext uri="{FF2B5EF4-FFF2-40B4-BE49-F238E27FC236}">
+                <a16:creationId xmlns:a16="http://schemas.microsoft.com/office/drawing/2014/main" id="{E96276EE-E12C-7E79-C45A-F7D2FD1CFB06}"/>
+              </a:ext>
+            </a:extLst>
+          </p:cNvPr>
+          <p:cNvSpPr>
+            <a:spLocks noGrp="1"/>
+          </p:cNvSpPr>
+          <p:nvPr>
+            <p:ph type="title"/>
+          </p:nvPr>
+        </p:nvSpPr>
+        <p:spPr>
+          <a:xfrm>
+            <a:off x="804672" y="640080"/>
+            <a:ext cx="3282696" cy="5257800"/>
+          </a:xfrm>
+        </p:spPr>
+        <p:txBody>
+          <a:bodyPr>
+            <a:normAutofit/>
+          </a:bodyPr>
+          <a:lstStyle/>
+          <a:p>
+            <a:r>
+              <a:rPr lang="de-DE">
+                <a:solidFill>
+                  <a:schemeClr val="bg1"/>
+                </a:solidFill>
+              </a:rPr>
+              <a:t>Wichtige Kommandos für Git</a:t>
+            </a:r>
+          </a:p>
+        </p:txBody>
+      </p:sp>
+      <p:sp>
+        <p:nvSpPr>
+          <p:cNvPr id="3" name="Inhaltsplatzhalter 2">
+            <a:extLst>
+              <a:ext uri="{FF2B5EF4-FFF2-40B4-BE49-F238E27FC236}">
+                <a16:creationId xmlns:a16="http://schemas.microsoft.com/office/drawing/2014/main" id="{3F2A1F59-99A0-15F3-29CA-D0D4EB7CE231}"/>
+              </a:ext>
+            </a:extLst>
+          </p:cNvPr>
+          <p:cNvSpPr>
+            <a:spLocks noGrp="1"/>
+          </p:cNvSpPr>
+          <p:nvPr>
+            <p:ph idx="1"/>
+          </p:nvPr>
+        </p:nvSpPr>
+        <p:spPr>
+          <a:xfrm>
+            <a:off x="5358384" y="640081"/>
+            <a:ext cx="6024654" cy="5257800"/>
+          </a:xfrm>
+        </p:spPr>
+        <p:txBody>
+          <a:bodyPr anchor="ctr">
+            <a:normAutofit/>
+          </a:bodyPr>
+          <a:lstStyle/>
+          <a:p>
+            <a:r>
+              <a:rPr lang="de-DE" sz="2000" dirty="0" err="1"/>
+              <a:t>git</a:t>
+            </a:r>
+            <a:r>
+              <a:rPr lang="de-DE" sz="2000" dirty="0"/>
+              <a:t> </a:t>
+            </a:r>
+            <a:r>
+              <a:rPr lang="de-DE" sz="2000" dirty="0" err="1"/>
+              <a:t>init</a:t>
+            </a:r>
+            <a:r>
+              <a:rPr lang="de-DE" sz="2000" dirty="0"/>
+              <a:t>: Initialisieren eines lokalen </a:t>
+            </a:r>
+            <a:r>
+              <a:rPr lang="de-DE" sz="2000" dirty="0" err="1"/>
+              <a:t>Git</a:t>
+            </a:r>
+            <a:r>
+              <a:rPr lang="de-DE" sz="2000" dirty="0"/>
+              <a:t>-Projekts lokal. Kann man später auf GitHub hochladen.</a:t>
+            </a:r>
+          </a:p>
+          <a:p>
+            <a:r>
+              <a:rPr lang="de-DE" sz="2000" dirty="0" err="1"/>
+              <a:t>git</a:t>
+            </a:r>
+            <a:r>
+              <a:rPr lang="de-DE" sz="2000" dirty="0"/>
+              <a:t> </a:t>
+            </a:r>
+            <a:r>
+              <a:rPr lang="de-DE" sz="2000" dirty="0" err="1"/>
+              <a:t>add</a:t>
+            </a:r>
+            <a:r>
+              <a:rPr lang="de-DE" sz="2000" dirty="0"/>
+              <a:t>: Dateien zur Beobachtungsliste hinzufügen. Dieser Schritt ist zwingend erforderlich, um Ihre Arbeit anschließend auf das Repository zu laden.</a:t>
+            </a:r>
+          </a:p>
+          <a:p>
+            <a:r>
+              <a:rPr lang="de-DE" sz="2000" dirty="0" err="1"/>
+              <a:t>git</a:t>
+            </a:r>
+            <a:r>
+              <a:rPr lang="de-DE" sz="2000" dirty="0"/>
+              <a:t> push: Mit einem Push senden Sie alle </a:t>
+            </a:r>
+            <a:r>
+              <a:rPr lang="de-DE" sz="2000" dirty="0" err="1"/>
+              <a:t>Commits</a:t>
+            </a:r>
+            <a:r>
+              <a:rPr lang="de-DE" sz="2000" dirty="0"/>
+              <a:t> an das entfernte Repository auf den Servern von </a:t>
+            </a:r>
+            <a:r>
+              <a:rPr lang="de-DE" sz="2000" dirty="0" err="1"/>
+              <a:t>Github</a:t>
+            </a:r>
+            <a:r>
+              <a:rPr lang="de-DE" sz="2000" dirty="0"/>
+              <a:t> oder dem gewählten anderen Anbieter.</a:t>
+            </a:r>
+          </a:p>
+          <a:p>
+            <a:r>
+              <a:rPr lang="de-DE" sz="2000" dirty="0" err="1"/>
+              <a:t>git</a:t>
+            </a:r>
+            <a:r>
+              <a:rPr lang="de-DE" sz="2000" dirty="0"/>
+              <a:t> </a:t>
+            </a:r>
+            <a:r>
+              <a:rPr lang="de-DE" sz="2000" dirty="0" err="1"/>
+              <a:t>commit</a:t>
+            </a:r>
+            <a:r>
+              <a:rPr lang="de-DE" sz="2000" dirty="0"/>
+              <a:t>: Mit einem Commit hält man die Änderungen fest. Dies ist ein Stand, zu dem man jederzeit zurückgehen kann. Dateien müssen mit einem Commit gesichert werden, bevor sie an ein entferntes Repository gesendet werden können.</a:t>
+            </a:r>
+          </a:p>
+        </p:txBody>
+      </p:sp>
+    </p:spTree>
+    <p:extLst>
+      <p:ext uri="{BB962C8B-B14F-4D97-AF65-F5344CB8AC3E}">
+        <p14:creationId xmlns:p14="http://schemas.microsoft.com/office/powerpoint/2010/main" val="1626909146"/>
+      </p:ext>
+    </p:extLst>
+  </p:cSld>
+  <p:clrMapOvr>
+    <a:masterClrMapping/>
+  </p:clrMapOvr>
+  <p:timing>
+    <p:tnLst>
+      <p:par>
+        <p:cTn id="1" dur="indefinite" restart="never" nodeType="tmRoot">
+          <p:childTnLst>
+            <p:seq concurrent="1" nextAc="seek">
+              <p:cTn id="2" dur="indefinite" nodeType="mainSeq">
+                <p:childTnLst>
+                  <p:par>
+                    <p:cTn id="3" fill="hold">
+                      <p:stCondLst>
+                        <p:cond delay="indefinite"/>
+                      </p:stCondLst>
+                      <p:childTnLst>
+                        <p:par>
+                          <p:cTn id="4" fill="hold">
+                            <p:stCondLst>
+                              <p:cond delay="0"/>
+                            </p:stCondLst>
+                            <p:childTnLst>
+                              <p:par>
+                                <p:cTn id="5" presetID="10" presetClass="entr" presetSubtype="0" fill="hold" grpId="0" nodeType="clickEffect">
+                                  <p:stCondLst>
+                                    <p:cond delay="0"/>
+                                  </p:stCondLst>
+                                  <p:childTnLst>
+                                    <p:set>
+                                      <p:cBhvr>
+                                        <p:cTn id="6" dur="1" fill="hold">
+                                          <p:stCondLst>
+                                            <p:cond delay="0"/>
+                                          </p:stCondLst>
+                                        </p:cTn>
+                                        <p:tgtEl>
+                                          <p:spTgt spid="3">
+                                            <p:txEl>
+                                              <p:pRg st="0" end="0"/>
+                                            </p:txEl>
+                                          </p:spTgt>
+                                        </p:tgtEl>
+                                        <p:attrNameLst>
+                                          <p:attrName>style.visibility</p:attrName>
+                                        </p:attrNameLst>
+                                      </p:cBhvr>
+                                      <p:to>
+                                        <p:strVal val="visible"/>
+                                      </p:to>
+                                    </p:set>
+                                    <p:animEffect transition="in" filter="fade">
+                                      <p:cBhvr>
+                                        <p:cTn id="7" dur="500"/>
+                                        <p:tgtEl>
+                                          <p:spTgt spid="3">
+                                            <p:txEl>
+                                              <p:pRg st="0" end="0"/>
+                                            </p:txEl>
+                                          </p:spTgt>
+                                        </p:tgtEl>
+                                      </p:cBhvr>
+                                    </p:animEffect>
+                                  </p:childTnLst>
+                                </p:cTn>
+                              </p:par>
+                            </p:childTnLst>
+                          </p:cTn>
+                        </p:par>
+                      </p:childTnLst>
+                    </p:cTn>
+                  </p:par>
+                  <p:par>
+                    <p:cTn id="8" fill="hold">
+                      <p:stCondLst>
+                        <p:cond delay="indefinite"/>
+                      </p:stCondLst>
+                      <p:childTnLst>
+                        <p:par>
+                          <p:cTn id="9" fill="hold">
+                            <p:stCondLst>
+                              <p:cond delay="0"/>
+                            </p:stCondLst>
+                            <p:childTnLst>
+                              <p:par>
+                                <p:cTn id="10" presetID="10" presetClass="entr" presetSubtype="0" fill="hold" grpId="0" nodeType="clickEffect">
+                                  <p:stCondLst>
+                                    <p:cond delay="0"/>
+                                  </p:stCondLst>
+                                  <p:childTnLst>
+                                    <p:set>
+                                      <p:cBhvr>
+                                        <p:cTn id="11" dur="1" fill="hold">
+                                          <p:stCondLst>
+                                            <p:cond delay="0"/>
+                                          </p:stCondLst>
+                                        </p:cTn>
+                                        <p:tgtEl>
+                                          <p:spTgt spid="3">
+                                            <p:txEl>
+                                              <p:pRg st="1" end="1"/>
+                                            </p:txEl>
+                                          </p:spTgt>
+                                        </p:tgtEl>
+                                        <p:attrNameLst>
+                                          <p:attrName>style.visibility</p:attrName>
+                                        </p:attrNameLst>
+                                      </p:cBhvr>
+                                      <p:to>
+                                        <p:strVal val="visible"/>
+                                      </p:to>
+                                    </p:set>
+                                    <p:animEffect transition="in" filter="fade">
+                                      <p:cBhvr>
+                                        <p:cTn id="12" dur="500"/>
+                                        <p:tgtEl>
+                                          <p:spTgt spid="3">
+                                            <p:txEl>
+                                              <p:pRg st="1" end="1"/>
+                                            </p:txEl>
+                                          </p:spTgt>
+                                        </p:tgtEl>
+                                      </p:cBhvr>
+                                    </p:animEffect>
+                                  </p:childTnLst>
+                                </p:cTn>
+                              </p:par>
+                            </p:childTnLst>
+                          </p:cTn>
+                        </p:par>
+                      </p:childTnLst>
+                    </p:cTn>
+                  </p:par>
+                  <p:par>
+                    <p:cTn id="13" fill="hold">
+                      <p:stCondLst>
+                        <p:cond delay="indefinite"/>
+                      </p:stCondLst>
+                      <p:childTnLst>
+                        <p:par>
+                          <p:cTn id="14" fill="hold">
+                            <p:stCondLst>
+                              <p:cond delay="0"/>
+                            </p:stCondLst>
+                            <p:childTnLst>
+                              <p:par>
+                                <p:cTn id="15" presetID="10" presetClass="entr" presetSubtype="0" fill="hold" grpId="0" nodeType="clickEffect">
+                                  <p:stCondLst>
+                                    <p:cond delay="0"/>
+                                  </p:stCondLst>
+                                  <p:childTnLst>
+                                    <p:set>
+                                      <p:cBhvr>
+                                        <p:cTn id="16" dur="1" fill="hold">
+                                          <p:stCondLst>
+                                            <p:cond delay="0"/>
+                                          </p:stCondLst>
+                                        </p:cTn>
+                                        <p:tgtEl>
+                                          <p:spTgt spid="3">
+                                            <p:txEl>
+                                              <p:pRg st="2" end="2"/>
+                                            </p:txEl>
+                                          </p:spTgt>
+                                        </p:tgtEl>
+                                        <p:attrNameLst>
+                                          <p:attrName>style.visibility</p:attrName>
+                                        </p:attrNameLst>
+                                      </p:cBhvr>
+                                      <p:to>
+                                        <p:strVal val="visible"/>
+                                      </p:to>
+                                    </p:set>
+                                    <p:animEffect transition="in" filter="fade">
+                                      <p:cBhvr>
+                                        <p:cTn id="17" dur="500"/>
+                                        <p:tgtEl>
+                                          <p:spTgt spid="3">
+                                            <p:txEl>
+                                              <p:pRg st="2" end="2"/>
+                                            </p:txEl>
+                                          </p:spTgt>
+                                        </p:tgtEl>
+                                      </p:cBhvr>
+                                    </p:animEffect>
+                                  </p:childTnLst>
+                                </p:cTn>
+                              </p:par>
+                            </p:childTnLst>
+                          </p:cTn>
+                        </p:par>
+                      </p:childTnLst>
+                    </p:cTn>
+                  </p:par>
+                  <p:par>
+                    <p:cTn id="18" fill="hold">
+                      <p:stCondLst>
+                        <p:cond delay="indefinite"/>
+                      </p:stCondLst>
+                      <p:childTnLst>
+                        <p:par>
+                          <p:cTn id="19" fill="hold">
+                            <p:stCondLst>
+                              <p:cond delay="0"/>
+                            </p:stCondLst>
+                            <p:childTnLst>
+                              <p:par>
+                                <p:cTn id="20" presetID="10" presetClass="entr" presetSubtype="0" fill="hold" grpId="0" nodeType="clickEffect">
+                                  <p:stCondLst>
+                                    <p:cond delay="0"/>
+                                  </p:stCondLst>
+                                  <p:childTnLst>
+                                    <p:set>
+                                      <p:cBhvr>
+                                        <p:cTn id="21" dur="1" fill="hold">
+                                          <p:stCondLst>
+                                            <p:cond delay="0"/>
+                                          </p:stCondLst>
+                                        </p:cTn>
+                                        <p:tgtEl>
+                                          <p:spTgt spid="3">
+                                            <p:txEl>
+                                              <p:pRg st="3" end="3"/>
+                                            </p:txEl>
+                                          </p:spTgt>
+                                        </p:tgtEl>
+                                        <p:attrNameLst>
+                                          <p:attrName>style.visibility</p:attrName>
+                                        </p:attrNameLst>
+                                      </p:cBhvr>
+                                      <p:to>
+                                        <p:strVal val="visible"/>
+                                      </p:to>
+                                    </p:set>
+                                    <p:animEffect transition="in" filter="fade">
+                                      <p:cBhvr>
+                                        <p:cTn id="22" dur="500"/>
+                                        <p:tgtEl>
+                                          <p:spTgt spid="3">
+                                            <p:txEl>
+                                              <p:pRg st="3" end="3"/>
+                                            </p:txEl>
+                                          </p:spTgt>
+                                        </p:tgtEl>
+                                      </p:cBhvr>
+                                    </p:animEffect>
+                                  </p:childTnLst>
+                                </p:cTn>
+                              </p:par>
+                            </p:childTnLst>
+                          </p:cTn>
+                        </p:par>
+                      </p:childTnLst>
+                    </p:cTn>
+                  </p:par>
+                </p:childTnLst>
+              </p:cTn>
+              <p:prevCondLst>
+                <p:cond evt="onPrev" delay="0">
+                  <p:tgtEl>
+                    <p:sldTgt/>
+                  </p:tgtEl>
+                </p:cond>
+              </p:prevCondLst>
+              <p:nextCondLst>
+                <p:cond evt="onNext" delay="0">
+                  <p:tgtEl>
+                    <p:sldTgt/>
+                  </p:tgtEl>
+                </p:cond>
+              </p:nextCondLst>
+            </p:seq>
+          </p:childTnLst>
+        </p:cTn>
+      </p:par>
+    </p:tnLst>
+    <p:bldLst>
+      <p:bldP spid="3" grpId="0" build="p"/>
+    </p:bldLst>
+  </p:timing>
+</p:sld>
+</file>
+
 <file path=ppt/slides/slide2.xml><?xml version="1.0" encoding="utf-8"?>
 <p:sld xmlns:a="http://schemas.openxmlformats.org/drawingml/2006/main" xmlns:r="http://schemas.openxmlformats.org/officeDocument/2006/relationships" xmlns:p="http://schemas.openxmlformats.org/presentationml/2006/main">
   <p:cSld>
@@ -3751,7 +4557,7 @@
             </a:r>
             <a:r>
               <a:rPr lang="en-US" sz="4000" dirty="0"/>
-              <a:t> Git?</a:t>
+              <a:t> Git(Hub)?</a:t>
             </a:r>
           </a:p>
         </p:txBody>
@@ -3780,7 +4586,7 @@
         </p:spPr>
         <p:txBody>
           <a:bodyPr vert="horz" lIns="91440" tIns="45720" rIns="91440" bIns="45720" rtlCol="0">
-            <a:normAutofit/>
+            <a:normAutofit fontScale="92500" lnSpcReduction="10000"/>
           </a:bodyPr>
           <a:lstStyle/>
           <a:p>
@@ -3794,15 +4600,7 @@
             </a:r>
             <a:r>
               <a:rPr lang="de-DE" sz="2000" dirty="0"/>
-              <a:t> ist eine Software zur Versionsverwaltung von </a:t>
-            </a:r>
-            <a:r>
-              <a:rPr lang="de-DE" sz="2000" err="1"/>
-              <a:t>Projekten</a:t>
-            </a:r>
-            <a:r>
-              <a:rPr lang="de-DE" sz="2000"/>
-              <a:t>.</a:t>
+              <a:t> ist eine Software zur Versionsverwaltung von Projekten.</a:t>
             </a:r>
           </a:p>
           <a:p>
@@ -3811,12 +4609,8 @@
               <a:buChar char="•"/>
             </a:pPr>
             <a:r>
-              <a:rPr lang="de-DE" sz="2000"/>
-              <a:t>Einfach </a:t>
-            </a:r>
-            <a:r>
               <a:rPr lang="de-DE" sz="2000" dirty="0"/>
-              <a:t>zu alten Ständen zurückspringen oder mit mehreren Leuten an einem Projekt arbeiten.</a:t>
+              <a:t>Einfach zu alten Ständen zurückspringen oder mit mehreren Leuten an einem Projekt arbeiten.</a:t>
             </a:r>
             <a:endParaRPr lang="en-US" sz="2000" dirty="0"/>
           </a:p>
@@ -3863,7 +4657,56 @@
             </a:r>
             <a:r>
               <a:rPr lang="en-US" sz="2000" dirty="0"/>
-              <a:t> </a:t>
+              <a:t>.</a:t>
+            </a:r>
+          </a:p>
+          <a:p>
+            <a:pPr indent="-228600">
+              <a:buFont typeface="Arial" panose="020B0604020202020204" pitchFamily="34" charset="0"/>
+              <a:buChar char="•"/>
+            </a:pPr>
+            <a:r>
+              <a:rPr lang="de-DE" sz="2000" dirty="0"/>
+              <a:t>In der Kommandozeile des Betriebssystems </a:t>
+            </a:r>
+            <a:br>
+              <a:rPr lang="de-DE" sz="2000" dirty="0"/>
+            </a:br>
+            <a:r>
+              <a:rPr lang="de-DE" sz="2000" dirty="0"/>
+              <a:t>(oder auch </a:t>
+            </a:r>
+            <a:r>
+              <a:rPr lang="de-DE" sz="2000" dirty="0" err="1"/>
+              <a:t>Gitbash</a:t>
+            </a:r>
+            <a:r>
+              <a:rPr lang="de-DE" sz="2000" dirty="0"/>
+              <a:t>) bedienbar oder </a:t>
+            </a:r>
+            <a:r>
+              <a:rPr lang="de-DE" sz="2000" dirty="0" err="1"/>
+              <a:t>z.B</a:t>
+            </a:r>
+            <a:r>
+              <a:rPr lang="de-DE" sz="2000" dirty="0"/>
+              <a:t> in </a:t>
+            </a:r>
+            <a:r>
+              <a:rPr lang="de-DE" sz="2000" dirty="0" err="1"/>
+              <a:t>Github</a:t>
+            </a:r>
+            <a:r>
+              <a:rPr lang="de-DE" sz="2000" dirty="0"/>
+              <a:t> Desktop, einem </a:t>
+            </a:r>
+            <a:r>
+              <a:rPr lang="de-DE" sz="2000" dirty="0" err="1"/>
+              <a:t>Git</a:t>
+            </a:r>
+            <a:r>
+              <a:rPr lang="de-DE" sz="2000" dirty="0"/>
+              <a:t>-Client mit grafischer Benutzeroberfläche. </a:t>
             </a:r>
           </a:p>
           <a:p>
@@ -3873,19 +4716,1886 @@
             </a:pPr>
             <a:endParaRPr lang="en-US" sz="2000" dirty="0"/>
           </a:p>
-          <a:p>
-            <a:pPr indent="-228600">
-              <a:buFont typeface="Arial" panose="020B0604020202020204" pitchFamily="34" charset="0"/>
-              <a:buChar char="•"/>
-            </a:pPr>
-            <a:endParaRPr lang="en-US" sz="2000" dirty="0"/>
-          </a:p>
         </p:txBody>
       </p:sp>
     </p:spTree>
     <p:extLst>
       <p:ext uri="{BB962C8B-B14F-4D97-AF65-F5344CB8AC3E}">
         <p14:creationId xmlns:p14="http://schemas.microsoft.com/office/powerpoint/2010/main" val="1511319606"/>
+      </p:ext>
+    </p:extLst>
+  </p:cSld>
+  <p:clrMapOvr>
+    <a:masterClrMapping/>
+  </p:clrMapOvr>
+  <p:timing>
+    <p:tnLst>
+      <p:par>
+        <p:cTn id="1" dur="indefinite" restart="never" nodeType="tmRoot">
+          <p:childTnLst>
+            <p:seq concurrent="1" nextAc="seek">
+              <p:cTn id="2" dur="indefinite" nodeType="mainSeq">
+                <p:childTnLst>
+                  <p:par>
+                    <p:cTn id="3" fill="hold">
+                      <p:stCondLst>
+                        <p:cond delay="indefinite"/>
+                      </p:stCondLst>
+                      <p:childTnLst>
+                        <p:par>
+                          <p:cTn id="4" fill="hold">
+                            <p:stCondLst>
+                              <p:cond delay="0"/>
+                            </p:stCondLst>
+                            <p:childTnLst>
+                              <p:par>
+                                <p:cTn id="5" presetID="10" presetClass="entr" presetSubtype="0" fill="hold" grpId="0" nodeType="clickEffect">
+                                  <p:stCondLst>
+                                    <p:cond delay="0"/>
+                                  </p:stCondLst>
+                                  <p:childTnLst>
+                                    <p:set>
+                                      <p:cBhvr>
+                                        <p:cTn id="6" dur="1" fill="hold">
+                                          <p:stCondLst>
+                                            <p:cond delay="0"/>
+                                          </p:stCondLst>
+                                        </p:cTn>
+                                        <p:tgtEl>
+                                          <p:spTgt spid="12">
+                                            <p:txEl>
+                                              <p:pRg st="0" end="0"/>
+                                            </p:txEl>
+                                          </p:spTgt>
+                                        </p:tgtEl>
+                                        <p:attrNameLst>
+                                          <p:attrName>style.visibility</p:attrName>
+                                        </p:attrNameLst>
+                                      </p:cBhvr>
+                                      <p:to>
+                                        <p:strVal val="visible"/>
+                                      </p:to>
+                                    </p:set>
+                                    <p:animEffect transition="in" filter="fade">
+                                      <p:cBhvr>
+                                        <p:cTn id="7" dur="500"/>
+                                        <p:tgtEl>
+                                          <p:spTgt spid="12">
+                                            <p:txEl>
+                                              <p:pRg st="0" end="0"/>
+                                            </p:txEl>
+                                          </p:spTgt>
+                                        </p:tgtEl>
+                                      </p:cBhvr>
+                                    </p:animEffect>
+                                  </p:childTnLst>
+                                </p:cTn>
+                              </p:par>
+                            </p:childTnLst>
+                          </p:cTn>
+                        </p:par>
+                      </p:childTnLst>
+                    </p:cTn>
+                  </p:par>
+                  <p:par>
+                    <p:cTn id="8" fill="hold">
+                      <p:stCondLst>
+                        <p:cond delay="indefinite"/>
+                      </p:stCondLst>
+                      <p:childTnLst>
+                        <p:par>
+                          <p:cTn id="9" fill="hold">
+                            <p:stCondLst>
+                              <p:cond delay="0"/>
+                            </p:stCondLst>
+                            <p:childTnLst>
+                              <p:par>
+                                <p:cTn id="10" presetID="10" presetClass="entr" presetSubtype="0" fill="hold" grpId="0" nodeType="clickEffect">
+                                  <p:stCondLst>
+                                    <p:cond delay="0"/>
+                                  </p:stCondLst>
+                                  <p:childTnLst>
+                                    <p:set>
+                                      <p:cBhvr>
+                                        <p:cTn id="11" dur="1" fill="hold">
+                                          <p:stCondLst>
+                                            <p:cond delay="0"/>
+                                          </p:stCondLst>
+                                        </p:cTn>
+                                        <p:tgtEl>
+                                          <p:spTgt spid="12">
+                                            <p:txEl>
+                                              <p:pRg st="1" end="1"/>
+                                            </p:txEl>
+                                          </p:spTgt>
+                                        </p:tgtEl>
+                                        <p:attrNameLst>
+                                          <p:attrName>style.visibility</p:attrName>
+                                        </p:attrNameLst>
+                                      </p:cBhvr>
+                                      <p:to>
+                                        <p:strVal val="visible"/>
+                                      </p:to>
+                                    </p:set>
+                                    <p:animEffect transition="in" filter="fade">
+                                      <p:cBhvr>
+                                        <p:cTn id="12" dur="500"/>
+                                        <p:tgtEl>
+                                          <p:spTgt spid="12">
+                                            <p:txEl>
+                                              <p:pRg st="1" end="1"/>
+                                            </p:txEl>
+                                          </p:spTgt>
+                                        </p:tgtEl>
+                                      </p:cBhvr>
+                                    </p:animEffect>
+                                  </p:childTnLst>
+                                </p:cTn>
+                              </p:par>
+                            </p:childTnLst>
+                          </p:cTn>
+                        </p:par>
+                      </p:childTnLst>
+                    </p:cTn>
+                  </p:par>
+                  <p:par>
+                    <p:cTn id="13" fill="hold">
+                      <p:stCondLst>
+                        <p:cond delay="indefinite"/>
+                      </p:stCondLst>
+                      <p:childTnLst>
+                        <p:par>
+                          <p:cTn id="14" fill="hold">
+                            <p:stCondLst>
+                              <p:cond delay="0"/>
+                            </p:stCondLst>
+                            <p:childTnLst>
+                              <p:par>
+                                <p:cTn id="15" presetID="10" presetClass="entr" presetSubtype="0" fill="hold" grpId="0" nodeType="clickEffect">
+                                  <p:stCondLst>
+                                    <p:cond delay="0"/>
+                                  </p:stCondLst>
+                                  <p:childTnLst>
+                                    <p:set>
+                                      <p:cBhvr>
+                                        <p:cTn id="16" dur="1" fill="hold">
+                                          <p:stCondLst>
+                                            <p:cond delay="0"/>
+                                          </p:stCondLst>
+                                        </p:cTn>
+                                        <p:tgtEl>
+                                          <p:spTgt spid="12">
+                                            <p:txEl>
+                                              <p:pRg st="2" end="2"/>
+                                            </p:txEl>
+                                          </p:spTgt>
+                                        </p:tgtEl>
+                                        <p:attrNameLst>
+                                          <p:attrName>style.visibility</p:attrName>
+                                        </p:attrNameLst>
+                                      </p:cBhvr>
+                                      <p:to>
+                                        <p:strVal val="visible"/>
+                                      </p:to>
+                                    </p:set>
+                                    <p:animEffect transition="in" filter="fade">
+                                      <p:cBhvr>
+                                        <p:cTn id="17" dur="500"/>
+                                        <p:tgtEl>
+                                          <p:spTgt spid="12">
+                                            <p:txEl>
+                                              <p:pRg st="2" end="2"/>
+                                            </p:txEl>
+                                          </p:spTgt>
+                                        </p:tgtEl>
+                                      </p:cBhvr>
+                                    </p:animEffect>
+                                  </p:childTnLst>
+                                </p:cTn>
+                              </p:par>
+                            </p:childTnLst>
+                          </p:cTn>
+                        </p:par>
+                      </p:childTnLst>
+                    </p:cTn>
+                  </p:par>
+                  <p:par>
+                    <p:cTn id="18" fill="hold">
+                      <p:stCondLst>
+                        <p:cond delay="indefinite"/>
+                      </p:stCondLst>
+                      <p:childTnLst>
+                        <p:par>
+                          <p:cTn id="19" fill="hold">
+                            <p:stCondLst>
+                              <p:cond delay="0"/>
+                            </p:stCondLst>
+                            <p:childTnLst>
+                              <p:par>
+                                <p:cTn id="20" presetID="10" presetClass="entr" presetSubtype="0" fill="hold" grpId="0" nodeType="clickEffect">
+                                  <p:stCondLst>
+                                    <p:cond delay="0"/>
+                                  </p:stCondLst>
+                                  <p:childTnLst>
+                                    <p:set>
+                                      <p:cBhvr>
+                                        <p:cTn id="21" dur="1" fill="hold">
+                                          <p:stCondLst>
+                                            <p:cond delay="0"/>
+                                          </p:stCondLst>
+                                        </p:cTn>
+                                        <p:tgtEl>
+                                          <p:spTgt spid="12">
+                                            <p:txEl>
+                                              <p:pRg st="3" end="3"/>
+                                            </p:txEl>
+                                          </p:spTgt>
+                                        </p:tgtEl>
+                                        <p:attrNameLst>
+                                          <p:attrName>style.visibility</p:attrName>
+                                        </p:attrNameLst>
+                                      </p:cBhvr>
+                                      <p:to>
+                                        <p:strVal val="visible"/>
+                                      </p:to>
+                                    </p:set>
+                                    <p:animEffect transition="in" filter="fade">
+                                      <p:cBhvr>
+                                        <p:cTn id="22" dur="500"/>
+                                        <p:tgtEl>
+                                          <p:spTgt spid="12">
+                                            <p:txEl>
+                                              <p:pRg st="3" end="3"/>
+                                            </p:txEl>
+                                          </p:spTgt>
+                                        </p:tgtEl>
+                                      </p:cBhvr>
+                                    </p:animEffect>
+                                  </p:childTnLst>
+                                </p:cTn>
+                              </p:par>
+                            </p:childTnLst>
+                          </p:cTn>
+                        </p:par>
+                      </p:childTnLst>
+                    </p:cTn>
+                  </p:par>
+                </p:childTnLst>
+              </p:cTn>
+              <p:prevCondLst>
+                <p:cond evt="onPrev" delay="0">
+                  <p:tgtEl>
+                    <p:sldTgt/>
+                  </p:tgtEl>
+                </p:cond>
+              </p:prevCondLst>
+              <p:nextCondLst>
+                <p:cond evt="onNext" delay="0">
+                  <p:tgtEl>
+                    <p:sldTgt/>
+                  </p:tgtEl>
+                </p:cond>
+              </p:nextCondLst>
+            </p:seq>
+          </p:childTnLst>
+        </p:cTn>
+      </p:par>
+    </p:tnLst>
+    <p:bldLst>
+      <p:bldP spid="12" grpId="0" build="p"/>
+    </p:bldLst>
+  </p:timing>
+</p:sld>
+</file>
+
+<file path=ppt/slides/slide3.xml><?xml version="1.0" encoding="utf-8"?>
+<p:sld xmlns:a="http://schemas.openxmlformats.org/drawingml/2006/main" xmlns:r="http://schemas.openxmlformats.org/officeDocument/2006/relationships" xmlns:p="http://schemas.openxmlformats.org/presentationml/2006/main">
+  <p:cSld>
+    <p:bg>
+      <p:bgPr>
+        <a:solidFill>
+          <a:schemeClr val="bg1"/>
+        </a:solidFill>
+        <a:effectLst/>
+      </p:bgPr>
+    </p:bg>
+    <p:spTree>
+      <p:nvGrpSpPr>
+        <p:cNvPr id="1" name=""/>
+        <p:cNvGrpSpPr/>
+        <p:nvPr/>
+      </p:nvGrpSpPr>
+      <p:grpSpPr>
+        <a:xfrm>
+          <a:off x="0" y="0"/>
+          <a:ext cx="0" cy="0"/>
+          <a:chOff x="0" y="0"/>
+          <a:chExt cx="0" cy="0"/>
+        </a:xfrm>
+      </p:grpSpPr>
+      <p:sp>
+        <p:nvSpPr>
+          <p:cNvPr id="1031" name="Down Arrow 7">
+            <a:extLst>
+              <a:ext uri="{FF2B5EF4-FFF2-40B4-BE49-F238E27FC236}">
+                <a16:creationId xmlns:a16="http://schemas.microsoft.com/office/drawing/2014/main" id="{D4771268-CB57-404A-9271-370EB28F6090}"/>
+              </a:ext>
+              <a:ext uri="{C183D7F6-B498-43B3-948B-1728B52AA6E4}">
+                <adec:decorative xmlns:adec="http://schemas.microsoft.com/office/drawing/2017/decorative" val="1"/>
+              </a:ext>
+            </a:extLst>
+          </p:cNvPr>
+          <p:cNvSpPr>
+            <a:spLocks noGrp="1" noRot="1" noChangeAspect="1" noMove="1" noResize="1" noEditPoints="1" noAdjustHandles="1" noChangeArrowheads="1" noChangeShapeType="1" noTextEdit="1"/>
+          </p:cNvSpPr>
+          <p:nvPr>
+            <p:extLst>
+              <p:ext uri="{386F3935-93C4-4BCD-93E2-E3B085C9AB24}">
+                <p16:designElem xmlns:p16="http://schemas.microsoft.com/office/powerpoint/2015/main" val="1"/>
+              </p:ext>
+            </p:extLst>
+          </p:nvPr>
+        </p:nvSpPr>
+        <p:spPr>
+          <a:xfrm rot="16200000">
+            <a:off x="800100" y="1491343"/>
+            <a:ext cx="3333749" cy="3499103"/>
+          </a:xfrm>
+          <a:prstGeom prst="downArrow">
+            <a:avLst>
+              <a:gd name="adj1" fmla="val 100000"/>
+              <a:gd name="adj2" fmla="val 15788"/>
+            </a:avLst>
+          </a:prstGeom>
+          <a:solidFill>
+            <a:srgbClr val="404040"/>
+          </a:solidFill>
+          <a:ln w="53975">
+            <a:noFill/>
+          </a:ln>
+        </p:spPr>
+        <p:style>
+          <a:lnRef idx="2">
+            <a:schemeClr val="accent1">
+              <a:shade val="50000"/>
+            </a:schemeClr>
+          </a:lnRef>
+          <a:fillRef idx="1">
+            <a:schemeClr val="accent1"/>
+          </a:fillRef>
+          <a:effectRef idx="0">
+            <a:schemeClr val="accent1"/>
+          </a:effectRef>
+          <a:fontRef idx="minor">
+            <a:schemeClr val="lt1"/>
+          </a:fontRef>
+        </p:style>
+        <p:txBody>
+          <a:bodyPr rtlCol="0" anchor="ctr"/>
+          <a:lstStyle/>
+          <a:p>
+            <a:pPr algn="ctr"/>
+            <a:endParaRPr lang="en-US"/>
+          </a:p>
+        </p:txBody>
+      </p:sp>
+      <p:sp>
+        <p:nvSpPr>
+          <p:cNvPr id="5" name="Titel 4">
+            <a:extLst>
+              <a:ext uri="{FF2B5EF4-FFF2-40B4-BE49-F238E27FC236}">
+                <a16:creationId xmlns:a16="http://schemas.microsoft.com/office/drawing/2014/main" id="{6672F7D8-B80C-713C-E473-9E63559964CA}"/>
+              </a:ext>
+            </a:extLst>
+          </p:cNvPr>
+          <p:cNvSpPr>
+            <a:spLocks noGrp="1"/>
+          </p:cNvSpPr>
+          <p:nvPr>
+            <p:ph type="title"/>
+          </p:nvPr>
+        </p:nvSpPr>
+        <p:spPr>
+          <a:xfrm>
+            <a:off x="1028700" y="1967266"/>
+            <a:ext cx="2628900" cy="2547257"/>
+          </a:xfrm>
+          <a:noFill/>
+        </p:spPr>
+        <p:txBody>
+          <a:bodyPr vert="horz" lIns="91440" tIns="45720" rIns="91440" bIns="45720" rtlCol="0" anchor="ctr">
+            <a:normAutofit/>
+          </a:bodyPr>
+          <a:lstStyle/>
+          <a:p>
+            <a:pPr algn="ctr"/>
+            <a:r>
+              <a:rPr lang="en-US" sz="3600" kern="1200">
+                <a:solidFill>
+                  <a:srgbClr val="FFFFFF"/>
+                </a:solidFill>
+                <a:latin typeface="+mj-lt"/>
+                <a:ea typeface="+mj-ea"/>
+                <a:cs typeface="+mj-cs"/>
+              </a:rPr>
+              <a:t>Ein Beispiel</a:t>
+            </a:r>
+          </a:p>
+        </p:txBody>
+      </p:sp>
+      <p:pic>
+        <p:nvPicPr>
+          <p:cNvPr id="1026" name="Picture 2" descr="Git Branches: List, Create, Switch to, Merge, Push, &amp; Delete">
+            <a:extLst>
+              <a:ext uri="{FF2B5EF4-FFF2-40B4-BE49-F238E27FC236}">
+                <a16:creationId xmlns:a16="http://schemas.microsoft.com/office/drawing/2014/main" id="{71C6979C-0FA3-4ECF-649F-833DFFF9F20F}"/>
+              </a:ext>
+            </a:extLst>
+          </p:cNvPr>
+          <p:cNvPicPr>
+            <a:picLocks noGrp="1" noChangeAspect="1" noChangeArrowheads="1"/>
+          </p:cNvPicPr>
+          <p:nvPr>
+            <p:ph idx="1"/>
+          </p:nvPr>
+        </p:nvPicPr>
+        <p:blipFill>
+          <a:blip r:embed="rId2">
+            <a:extLst>
+              <a:ext uri="{28A0092B-C50C-407E-A947-70E740481C1C}">
+                <a14:useLocalDpi xmlns:a14="http://schemas.microsoft.com/office/drawing/2010/main" val="0"/>
+              </a:ext>
+            </a:extLst>
+          </a:blip>
+          <a:stretch>
+            <a:fillRect/>
+          </a:stretch>
+        </p:blipFill>
+        <p:spPr bwMode="auto">
+          <a:xfrm>
+            <a:off x="4761179" y="437365"/>
+            <a:ext cx="6780700" cy="3474408"/>
+          </a:xfrm>
+          <a:prstGeom prst="rect">
+            <a:avLst/>
+          </a:prstGeom>
+          <a:noFill/>
+          <a:extLst>
+            <a:ext uri="{909E8E84-426E-40DD-AFC4-6F175D3DCCD1}">
+              <a14:hiddenFill xmlns:a14="http://schemas.microsoft.com/office/drawing/2010/main">
+                <a:solidFill>
+                  <a:srgbClr val="FFFFFF"/>
+                </a:solidFill>
+              </a14:hiddenFill>
+            </a:ext>
+          </a:extLst>
+        </p:spPr>
+      </p:pic>
+      <p:sp>
+        <p:nvSpPr>
+          <p:cNvPr id="7" name="Textfeld 6">
+            <a:extLst>
+              <a:ext uri="{FF2B5EF4-FFF2-40B4-BE49-F238E27FC236}">
+                <a16:creationId xmlns:a16="http://schemas.microsoft.com/office/drawing/2014/main" id="{91A5B2A3-C2B0-C21D-4598-1E3EC3BF3616}"/>
+              </a:ext>
+            </a:extLst>
+          </p:cNvPr>
+          <p:cNvSpPr txBox="1"/>
+          <p:nvPr/>
+        </p:nvSpPr>
+        <p:spPr>
+          <a:xfrm>
+            <a:off x="4598894" y="4292301"/>
+            <a:ext cx="6942985" cy="1200329"/>
+          </a:xfrm>
+          <a:prstGeom prst="rect">
+            <a:avLst/>
+          </a:prstGeom>
+          <a:noFill/>
+        </p:spPr>
+        <p:txBody>
+          <a:bodyPr wrap="square" rtlCol="0">
+            <a:spAutoFit/>
+          </a:bodyPr>
+          <a:lstStyle/>
+          <a:p>
+            <a:pPr marL="285750" indent="-285750">
+              <a:buFont typeface="Arial" panose="020B0604020202020204" pitchFamily="34" charset="0"/>
+              <a:buChar char="•"/>
+            </a:pPr>
+            <a:r>
+              <a:rPr lang="de-DE" dirty="0"/>
+              <a:t>Erstellen vom Basisprojekt.</a:t>
+            </a:r>
+          </a:p>
+          <a:p>
+            <a:pPr marL="285750" indent="-285750">
+              <a:buFont typeface="Arial" panose="020B0604020202020204" pitchFamily="34" charset="0"/>
+              <a:buChar char="•"/>
+            </a:pPr>
+            <a:r>
+              <a:rPr lang="de-DE" dirty="0"/>
+              <a:t>Du nimmst dir das Basisprojekt, packst es dir auf deinen eigenen „Branch“.</a:t>
+            </a:r>
+          </a:p>
+          <a:p>
+            <a:pPr marL="285750" indent="-285750">
+              <a:buFont typeface="Arial" panose="020B0604020202020204" pitchFamily="34" charset="0"/>
+              <a:buChar char="•"/>
+            </a:pPr>
+            <a:r>
+              <a:rPr lang="de-DE" dirty="0"/>
+              <a:t>In der Zwischenzeit nach ein paar Arbeitsschritten </a:t>
+            </a:r>
+          </a:p>
+        </p:txBody>
+      </p:sp>
+    </p:spTree>
+    <p:extLst>
+      <p:ext uri="{BB962C8B-B14F-4D97-AF65-F5344CB8AC3E}">
+        <p14:creationId xmlns:p14="http://schemas.microsoft.com/office/powerpoint/2010/main" val="3600103461"/>
+      </p:ext>
+    </p:extLst>
+  </p:cSld>
+  <p:clrMapOvr>
+    <a:masterClrMapping/>
+  </p:clrMapOvr>
+</p:sld>
+</file>
+
+<file path=ppt/slides/slide4.xml><?xml version="1.0" encoding="utf-8"?>
+<p:sld xmlns:a="http://schemas.openxmlformats.org/drawingml/2006/main" xmlns:r="http://schemas.openxmlformats.org/officeDocument/2006/relationships" xmlns:p="http://schemas.openxmlformats.org/presentationml/2006/main">
+  <p:cSld>
+    <p:bg>
+      <p:bgPr>
+        <a:solidFill>
+          <a:schemeClr val="bg1"/>
+        </a:solidFill>
+        <a:effectLst/>
+      </p:bgPr>
+    </p:bg>
+    <p:spTree>
+      <p:nvGrpSpPr>
+        <p:cNvPr id="1" name=""/>
+        <p:cNvGrpSpPr/>
+        <p:nvPr/>
+      </p:nvGrpSpPr>
+      <p:grpSpPr>
+        <a:xfrm>
+          <a:off x="0" y="0"/>
+          <a:ext cx="0" cy="0"/>
+          <a:chOff x="0" y="0"/>
+          <a:chExt cx="0" cy="0"/>
+        </a:xfrm>
+      </p:grpSpPr>
+      <p:sp>
+        <p:nvSpPr>
+          <p:cNvPr id="2055" name="Down Arrow 7">
+            <a:extLst>
+              <a:ext uri="{FF2B5EF4-FFF2-40B4-BE49-F238E27FC236}">
+                <a16:creationId xmlns:a16="http://schemas.microsoft.com/office/drawing/2014/main" id="{D4771268-CB57-404A-9271-370EB28F6090}"/>
+              </a:ext>
+              <a:ext uri="{C183D7F6-B498-43B3-948B-1728B52AA6E4}">
+                <adec:decorative xmlns:adec="http://schemas.microsoft.com/office/drawing/2017/decorative" val="1"/>
+              </a:ext>
+            </a:extLst>
+          </p:cNvPr>
+          <p:cNvSpPr>
+            <a:spLocks noGrp="1" noRot="1" noChangeAspect="1" noMove="1" noResize="1" noEditPoints="1" noAdjustHandles="1" noChangeArrowheads="1" noChangeShapeType="1" noTextEdit="1"/>
+          </p:cNvSpPr>
+          <p:nvPr>
+            <p:extLst>
+              <p:ext uri="{386F3935-93C4-4BCD-93E2-E3B085C9AB24}">
+                <p16:designElem xmlns:p16="http://schemas.microsoft.com/office/powerpoint/2015/main" val="1"/>
+              </p:ext>
+            </p:extLst>
+          </p:nvPr>
+        </p:nvSpPr>
+        <p:spPr>
+          <a:xfrm rot="16200000">
+            <a:off x="800100" y="1491343"/>
+            <a:ext cx="3333749" cy="3499103"/>
+          </a:xfrm>
+          <a:prstGeom prst="downArrow">
+            <a:avLst>
+              <a:gd name="adj1" fmla="val 100000"/>
+              <a:gd name="adj2" fmla="val 15788"/>
+            </a:avLst>
+          </a:prstGeom>
+          <a:solidFill>
+            <a:srgbClr val="404040"/>
+          </a:solidFill>
+          <a:ln w="53975">
+            <a:noFill/>
+          </a:ln>
+        </p:spPr>
+        <p:style>
+          <a:lnRef idx="2">
+            <a:schemeClr val="accent1">
+              <a:shade val="50000"/>
+            </a:schemeClr>
+          </a:lnRef>
+          <a:fillRef idx="1">
+            <a:schemeClr val="accent1"/>
+          </a:fillRef>
+          <a:effectRef idx="0">
+            <a:schemeClr val="accent1"/>
+          </a:effectRef>
+          <a:fontRef idx="minor">
+            <a:schemeClr val="lt1"/>
+          </a:fontRef>
+        </p:style>
+        <p:txBody>
+          <a:bodyPr rtlCol="0" anchor="ctr"/>
+          <a:lstStyle/>
+          <a:p>
+            <a:pPr algn="ctr"/>
+            <a:endParaRPr lang="en-US"/>
+          </a:p>
+        </p:txBody>
+      </p:sp>
+      <p:sp>
+        <p:nvSpPr>
+          <p:cNvPr id="2" name="Titel 1">
+            <a:extLst>
+              <a:ext uri="{FF2B5EF4-FFF2-40B4-BE49-F238E27FC236}">
+                <a16:creationId xmlns:a16="http://schemas.microsoft.com/office/drawing/2014/main" id="{D7E6E2A1-425D-32F3-6650-C0329AF9287C}"/>
+              </a:ext>
+            </a:extLst>
+          </p:cNvPr>
+          <p:cNvSpPr>
+            <a:spLocks noGrp="1"/>
+          </p:cNvSpPr>
+          <p:nvPr>
+            <p:ph type="title"/>
+          </p:nvPr>
+        </p:nvSpPr>
+        <p:spPr>
+          <a:xfrm>
+            <a:off x="1028700" y="1967266"/>
+            <a:ext cx="2628900" cy="2547257"/>
+          </a:xfrm>
+          <a:noFill/>
+        </p:spPr>
+        <p:txBody>
+          <a:bodyPr vert="horz" lIns="91440" tIns="45720" rIns="91440" bIns="45720" rtlCol="0" anchor="ctr">
+            <a:normAutofit/>
+          </a:bodyPr>
+          <a:lstStyle/>
+          <a:p>
+            <a:pPr algn="ctr"/>
+            <a:r>
+              <a:rPr lang="en-US" sz="3600" kern="1200" dirty="0">
+                <a:solidFill>
+                  <a:srgbClr val="FFFFFF"/>
+                </a:solidFill>
+                <a:latin typeface="+mj-lt"/>
+                <a:ea typeface="+mj-ea"/>
+                <a:cs typeface="+mj-cs"/>
+              </a:rPr>
+              <a:t>Was </a:t>
+            </a:r>
+            <a:r>
+              <a:rPr lang="en-US" sz="3600" kern="1200" dirty="0" err="1">
+                <a:solidFill>
+                  <a:srgbClr val="FFFFFF"/>
+                </a:solidFill>
+                <a:latin typeface="+mj-lt"/>
+                <a:ea typeface="+mj-ea"/>
+                <a:cs typeface="+mj-cs"/>
+              </a:rPr>
+              <a:t>ist</a:t>
+            </a:r>
+            <a:r>
+              <a:rPr lang="en-US" sz="3600" kern="1200" dirty="0">
+                <a:solidFill>
+                  <a:srgbClr val="FFFFFF"/>
+                </a:solidFill>
+                <a:latin typeface="+mj-lt"/>
+                <a:ea typeface="+mj-ea"/>
+                <a:cs typeface="+mj-cs"/>
+              </a:rPr>
+              <a:t> </a:t>
+            </a:r>
+            <a:r>
+              <a:rPr lang="en-US" sz="3600" kern="1200" dirty="0" err="1">
+                <a:solidFill>
+                  <a:srgbClr val="FFFFFF"/>
+                </a:solidFill>
+                <a:latin typeface="+mj-lt"/>
+                <a:ea typeface="+mj-ea"/>
+                <a:cs typeface="+mj-cs"/>
+              </a:rPr>
+              <a:t>ein</a:t>
+            </a:r>
+            <a:r>
+              <a:rPr lang="en-US" sz="3600" kern="1200" dirty="0">
+                <a:solidFill>
+                  <a:srgbClr val="FFFFFF"/>
+                </a:solidFill>
+                <a:latin typeface="+mj-lt"/>
+                <a:ea typeface="+mj-ea"/>
+                <a:cs typeface="+mj-cs"/>
+              </a:rPr>
+              <a:t> Pull/Merge?</a:t>
+            </a:r>
+          </a:p>
+        </p:txBody>
+      </p:sp>
+      <p:pic>
+        <p:nvPicPr>
+          <p:cNvPr id="2050" name="Picture 2" descr="How to enforce good Pull Requests on Github">
+            <a:extLst>
+              <a:ext uri="{FF2B5EF4-FFF2-40B4-BE49-F238E27FC236}">
+                <a16:creationId xmlns:a16="http://schemas.microsoft.com/office/drawing/2014/main" id="{ED773F46-90A9-ACAF-17EF-F4F09DE98CEB}"/>
+              </a:ext>
+            </a:extLst>
+          </p:cNvPr>
+          <p:cNvPicPr>
+            <a:picLocks noGrp="1" noChangeAspect="1" noChangeArrowheads="1"/>
+          </p:cNvPicPr>
+          <p:nvPr>
+            <p:ph idx="1"/>
+          </p:nvPr>
+        </p:nvPicPr>
+        <p:blipFill>
+          <a:blip r:embed="rId2">
+            <a:extLst>
+              <a:ext uri="{28A0092B-C50C-407E-A947-70E740481C1C}">
+                <a14:useLocalDpi xmlns:a14="http://schemas.microsoft.com/office/drawing/2010/main" val="0"/>
+              </a:ext>
+            </a:extLst>
+          </a:blip>
+          <a:stretch>
+            <a:fillRect/>
+          </a:stretch>
+        </p:blipFill>
+        <p:spPr bwMode="auto">
+          <a:xfrm>
+            <a:off x="4750811" y="94098"/>
+            <a:ext cx="6780700" cy="3746336"/>
+          </a:xfrm>
+          <a:prstGeom prst="rect">
+            <a:avLst/>
+          </a:prstGeom>
+          <a:noFill/>
+          <a:extLst>
+            <a:ext uri="{909E8E84-426E-40DD-AFC4-6F175D3DCCD1}">
+              <a14:hiddenFill xmlns:a14="http://schemas.microsoft.com/office/drawing/2010/main">
+                <a:solidFill>
+                  <a:srgbClr val="FFFFFF"/>
+                </a:solidFill>
+              </a14:hiddenFill>
+            </a:ext>
+          </a:extLst>
+        </p:spPr>
+      </p:pic>
+      <p:sp>
+        <p:nvSpPr>
+          <p:cNvPr id="4" name="Textfeld 3">
+            <a:extLst>
+              <a:ext uri="{FF2B5EF4-FFF2-40B4-BE49-F238E27FC236}">
+                <a16:creationId xmlns:a16="http://schemas.microsoft.com/office/drawing/2014/main" id="{E9B45A72-F24B-8E8A-BF15-F0D9264E0AE8}"/>
+              </a:ext>
+            </a:extLst>
+          </p:cNvPr>
+          <p:cNvSpPr txBox="1"/>
+          <p:nvPr/>
+        </p:nvSpPr>
+        <p:spPr>
+          <a:xfrm>
+            <a:off x="4216526" y="4081670"/>
+            <a:ext cx="7823074" cy="1477328"/>
+          </a:xfrm>
+          <a:prstGeom prst="rect">
+            <a:avLst/>
+          </a:prstGeom>
+          <a:noFill/>
+        </p:spPr>
+        <p:txBody>
+          <a:bodyPr wrap="square" rtlCol="0">
+            <a:spAutoFit/>
+          </a:bodyPr>
+          <a:lstStyle/>
+          <a:p>
+            <a:pPr marL="285750" indent="-285750">
+              <a:buFont typeface="Arial" panose="020B0604020202020204" pitchFamily="34" charset="0"/>
+              <a:buChar char="•"/>
+            </a:pPr>
+            <a:r>
+              <a:rPr lang="de-DE" dirty="0"/>
+              <a:t>Ein Pull Request ist im Prinzip nichts anderes als eine Anfrage die gestellt wird, um Änderungen am Code in den Master-Branch übernehmen zu lassen.</a:t>
+            </a:r>
+          </a:p>
+          <a:p>
+            <a:pPr marL="285750" indent="-285750">
+              <a:buFont typeface="Arial" panose="020B0604020202020204" pitchFamily="34" charset="0"/>
+              <a:buChar char="•"/>
+            </a:pPr>
+            <a:r>
+              <a:rPr lang="de-DE" dirty="0"/>
+              <a:t>Als gutes Vorgehen hat sich dabei etabliert, dass der Entwickler Kommentare hinzufügt, die dem Repository-Verantwortlichen schnell einen Überblick geben, was mit dem Pull Request erreicht werden soll.</a:t>
+            </a:r>
+          </a:p>
+        </p:txBody>
+      </p:sp>
+    </p:spTree>
+    <p:extLst>
+      <p:ext uri="{BB962C8B-B14F-4D97-AF65-F5344CB8AC3E}">
+        <p14:creationId xmlns:p14="http://schemas.microsoft.com/office/powerpoint/2010/main" val="1392576064"/>
+      </p:ext>
+    </p:extLst>
+  </p:cSld>
+  <p:clrMapOvr>
+    <a:masterClrMapping/>
+  </p:clrMapOvr>
+</p:sld>
+</file>
+
+<file path=ppt/slides/slide5.xml><?xml version="1.0" encoding="utf-8"?>
+<p:sld xmlns:a="http://schemas.openxmlformats.org/drawingml/2006/main" xmlns:r="http://schemas.openxmlformats.org/officeDocument/2006/relationships" xmlns:p="http://schemas.openxmlformats.org/presentationml/2006/main">
+  <p:cSld>
+    <p:spTree>
+      <p:nvGrpSpPr>
+        <p:cNvPr id="1" name=""/>
+        <p:cNvGrpSpPr/>
+        <p:nvPr/>
+      </p:nvGrpSpPr>
+      <p:grpSpPr>
+        <a:xfrm>
+          <a:off x="0" y="0"/>
+          <a:ext cx="0" cy="0"/>
+          <a:chOff x="0" y="0"/>
+          <a:chExt cx="0" cy="0"/>
+        </a:xfrm>
+      </p:grpSpPr>
+      <p:sp>
+        <p:nvSpPr>
+          <p:cNvPr id="2" name="Titel 1">
+            <a:extLst>
+              <a:ext uri="{FF2B5EF4-FFF2-40B4-BE49-F238E27FC236}">
+                <a16:creationId xmlns:a16="http://schemas.microsoft.com/office/drawing/2014/main" id="{F471B448-C3BB-7EDF-37E8-43FE4F0483B4}"/>
+              </a:ext>
+            </a:extLst>
+          </p:cNvPr>
+          <p:cNvSpPr>
+            <a:spLocks noGrp="1"/>
+          </p:cNvSpPr>
+          <p:nvPr>
+            <p:ph type="title"/>
+          </p:nvPr>
+        </p:nvSpPr>
+        <p:spPr>
+          <a:effectLst>
+            <a:innerShdw blurRad="114300">
+              <a:prstClr val="black"/>
+            </a:innerShdw>
+          </a:effectLst>
+        </p:spPr>
+        <p:txBody>
+          <a:bodyPr/>
+          <a:lstStyle/>
+          <a:p>
+            <a:r>
+              <a:rPr lang="de-DE" dirty="0"/>
+              <a:t>Ein Beispiel</a:t>
+            </a:r>
+          </a:p>
+        </p:txBody>
+      </p:sp>
+      <p:sp>
+        <p:nvSpPr>
+          <p:cNvPr id="3" name="Inhaltsplatzhalter 2">
+            <a:extLst>
+              <a:ext uri="{FF2B5EF4-FFF2-40B4-BE49-F238E27FC236}">
+                <a16:creationId xmlns:a16="http://schemas.microsoft.com/office/drawing/2014/main" id="{B7703B5A-A5A3-1225-83C8-F917EF5EC5FA}"/>
+              </a:ext>
+            </a:extLst>
+          </p:cNvPr>
+          <p:cNvSpPr>
+            <a:spLocks noGrp="1"/>
+          </p:cNvSpPr>
+          <p:nvPr>
+            <p:ph idx="1"/>
+          </p:nvPr>
+        </p:nvSpPr>
+        <p:spPr/>
+        <p:txBody>
+          <a:bodyPr/>
+          <a:lstStyle/>
+          <a:p>
+            <a:endParaRPr lang="de-DE" dirty="0"/>
+          </a:p>
+        </p:txBody>
+      </p:sp>
+      <p:pic>
+        <p:nvPicPr>
+          <p:cNvPr id="5" name="Grafik 4">
+            <a:extLst>
+              <a:ext uri="{FF2B5EF4-FFF2-40B4-BE49-F238E27FC236}">
+                <a16:creationId xmlns:a16="http://schemas.microsoft.com/office/drawing/2014/main" id="{6AC9427C-8C4D-40DA-C290-D19C4340DBB7}"/>
+              </a:ext>
+            </a:extLst>
+          </p:cNvPr>
+          <p:cNvPicPr>
+            <a:picLocks noChangeAspect="1"/>
+          </p:cNvPicPr>
+          <p:nvPr/>
+        </p:nvPicPr>
+        <p:blipFill>
+          <a:blip r:embed="rId2"/>
+          <a:stretch>
+            <a:fillRect/>
+          </a:stretch>
+        </p:blipFill>
+        <p:spPr>
+          <a:xfrm>
+            <a:off x="0" y="0"/>
+            <a:ext cx="12192000" cy="6936620"/>
+          </a:xfrm>
+          <a:prstGeom prst="rect">
+            <a:avLst/>
+          </a:prstGeom>
+        </p:spPr>
+      </p:pic>
+      <p:sp>
+        <p:nvSpPr>
+          <p:cNvPr id="6" name="Textfeld 5">
+            <a:extLst>
+              <a:ext uri="{FF2B5EF4-FFF2-40B4-BE49-F238E27FC236}">
+                <a16:creationId xmlns:a16="http://schemas.microsoft.com/office/drawing/2014/main" id="{E86BF6F9-E086-049B-C554-91FB8ECB279F}"/>
+              </a:ext>
+            </a:extLst>
+          </p:cNvPr>
+          <p:cNvSpPr txBox="1"/>
+          <p:nvPr/>
+        </p:nvSpPr>
+        <p:spPr>
+          <a:xfrm>
+            <a:off x="4612340" y="88991"/>
+            <a:ext cx="2649071" cy="707886"/>
+          </a:xfrm>
+          <a:prstGeom prst="rect">
+            <a:avLst/>
+          </a:prstGeom>
+        </p:spPr>
+        <p:style>
+          <a:lnRef idx="0">
+            <a:schemeClr val="dk1"/>
+          </a:lnRef>
+          <a:fillRef idx="3">
+            <a:schemeClr val="dk1"/>
+          </a:fillRef>
+          <a:effectRef idx="3">
+            <a:schemeClr val="dk1"/>
+          </a:effectRef>
+          <a:fontRef idx="minor">
+            <a:schemeClr val="lt1"/>
+          </a:fontRef>
+        </p:style>
+        <p:txBody>
+          <a:bodyPr wrap="square" rtlCol="0">
+            <a:spAutoFit/>
+          </a:bodyPr>
+          <a:lstStyle/>
+          <a:p>
+            <a:r>
+              <a:rPr lang="de-DE" sz="4000" dirty="0">
+                <a:solidFill>
+                  <a:schemeClr val="bg1">
+                    <a:lumMod val="95000"/>
+                  </a:schemeClr>
+                </a:solidFill>
+              </a:rPr>
+              <a:t>Ein Beispiel</a:t>
+            </a:r>
+          </a:p>
+        </p:txBody>
+      </p:sp>
+    </p:spTree>
+    <p:extLst>
+      <p:ext uri="{BB962C8B-B14F-4D97-AF65-F5344CB8AC3E}">
+        <p14:creationId xmlns:p14="http://schemas.microsoft.com/office/powerpoint/2010/main" val="3563909378"/>
+      </p:ext>
+    </p:extLst>
+  </p:cSld>
+  <p:clrMapOvr>
+    <a:masterClrMapping/>
+  </p:clrMapOvr>
+</p:sld>
+</file>
+
+<file path=ppt/slides/slide6.xml><?xml version="1.0" encoding="utf-8"?>
+<p:sld xmlns:a="http://schemas.openxmlformats.org/drawingml/2006/main" xmlns:r="http://schemas.openxmlformats.org/officeDocument/2006/relationships" xmlns:p="http://schemas.openxmlformats.org/presentationml/2006/main">
+  <p:cSld>
+    <p:bg>
+      <p:bgPr>
+        <a:solidFill>
+          <a:schemeClr val="bg1"/>
+        </a:solidFill>
+        <a:effectLst/>
+      </p:bgPr>
+    </p:bg>
+    <p:spTree>
+      <p:nvGrpSpPr>
+        <p:cNvPr id="1" name=""/>
+        <p:cNvGrpSpPr/>
+        <p:nvPr/>
+      </p:nvGrpSpPr>
+      <p:grpSpPr>
+        <a:xfrm>
+          <a:off x="0" y="0"/>
+          <a:ext cx="0" cy="0"/>
+          <a:chOff x="0" y="0"/>
+          <a:chExt cx="0" cy="0"/>
+        </a:xfrm>
+      </p:grpSpPr>
+      <p:sp>
+        <p:nvSpPr>
+          <p:cNvPr id="13" name="Rectangle 9">
+            <a:extLst>
+              <a:ext uri="{FF2B5EF4-FFF2-40B4-BE49-F238E27FC236}">
+                <a16:creationId xmlns:a16="http://schemas.microsoft.com/office/drawing/2014/main" id="{823AC064-BC96-4F32-8AE1-B2FD38754823}"/>
+              </a:ext>
+              <a:ext uri="{C183D7F6-B498-43B3-948B-1728B52AA6E4}">
+                <adec:decorative xmlns:adec="http://schemas.microsoft.com/office/drawing/2017/decorative" val="1"/>
+              </a:ext>
+            </a:extLst>
+          </p:cNvPr>
+          <p:cNvSpPr>
+            <a:spLocks noGrp="1" noRot="1" noChangeAspect="1" noMove="1" noResize="1" noEditPoints="1" noAdjustHandles="1" noChangeArrowheads="1" noChangeShapeType="1" noTextEdit="1"/>
+          </p:cNvSpPr>
+          <p:nvPr>
+            <p:extLst>
+              <p:ext uri="{386F3935-93C4-4BCD-93E2-E3B085C9AB24}">
+                <p16:designElem xmlns:p16="http://schemas.microsoft.com/office/powerpoint/2015/main" val="1"/>
+              </p:ext>
+            </p:extLst>
+          </p:nvPr>
+        </p:nvSpPr>
+        <p:spPr bwMode="ltGray">
+          <a:xfrm>
+            <a:off x="378068" y="343486"/>
+            <a:ext cx="11438793" cy="1844256"/>
+          </a:xfrm>
+          <a:prstGeom prst="rect">
+            <a:avLst/>
+          </a:prstGeom>
+          <a:solidFill>
+            <a:srgbClr val="404040"/>
+          </a:solidFill>
+          <a:ln w="127000" cap="sq" cmpd="thinThick">
+            <a:solidFill>
+              <a:srgbClr val="404040"/>
+            </a:solidFill>
+          </a:ln>
+        </p:spPr>
+        <p:style>
+          <a:lnRef idx="2">
+            <a:schemeClr val="accent1">
+              <a:shade val="50000"/>
+            </a:schemeClr>
+          </a:lnRef>
+          <a:fillRef idx="1">
+            <a:schemeClr val="accent1"/>
+          </a:fillRef>
+          <a:effectRef idx="0">
+            <a:schemeClr val="accent1"/>
+          </a:effectRef>
+          <a:fontRef idx="minor">
+            <a:schemeClr val="lt1"/>
+          </a:fontRef>
+        </p:style>
+        <p:txBody>
+          <a:bodyPr rtlCol="0" anchor="ctr"/>
+          <a:lstStyle/>
+          <a:p>
+            <a:pPr marL="0" marR="0" lvl="0" indent="0" algn="ctr" defTabSz="914400" rtl="0" eaLnBrk="1" fontAlgn="auto" latinLnBrk="0" hangingPunct="1">
+              <a:lnSpc>
+                <a:spcPct val="100000"/>
+              </a:lnSpc>
+              <a:spcBef>
+                <a:spcPts val="0"/>
+              </a:spcBef>
+              <a:spcAft>
+                <a:spcPts val="0"/>
+              </a:spcAft>
+              <a:buClrTx/>
+              <a:buSzTx/>
+              <a:buFontTx/>
+              <a:buNone/>
+              <a:tabLst/>
+              <a:defRPr/>
+            </a:pPr>
+            <a:endParaRPr kumimoji="0" lang="en-US" sz="1800" b="0" i="0" u="none" strike="noStrike" kern="1200" cap="none" spc="0" normalizeH="0" baseline="0" noProof="0">
+              <a:ln>
+                <a:noFill/>
+              </a:ln>
+              <a:solidFill>
+                <a:prstClr val="white"/>
+              </a:solidFill>
+              <a:effectLst/>
+              <a:uLnTx/>
+              <a:uFillTx/>
+              <a:latin typeface="Calibri" panose="020F0502020204030204"/>
+              <a:ea typeface="+mn-ea"/>
+              <a:cs typeface="+mn-cs"/>
+            </a:endParaRPr>
+          </a:p>
+        </p:txBody>
+      </p:sp>
+      <p:sp>
+        <p:nvSpPr>
+          <p:cNvPr id="14" name="Titel 1">
+            <a:extLst>
+              <a:ext uri="{FF2B5EF4-FFF2-40B4-BE49-F238E27FC236}">
+                <a16:creationId xmlns:a16="http://schemas.microsoft.com/office/drawing/2014/main" id="{78EEE0E6-D213-D4F7-70D8-6D6D3F00D2DD}"/>
+              </a:ext>
+            </a:extLst>
+          </p:cNvPr>
+          <p:cNvSpPr>
+            <a:spLocks noGrp="1"/>
+          </p:cNvSpPr>
+          <p:nvPr>
+            <p:ph type="title"/>
+          </p:nvPr>
+        </p:nvSpPr>
+        <p:spPr>
+          <a:xfrm>
+            <a:off x="526073" y="466578"/>
+            <a:ext cx="11139854" cy="930447"/>
+          </a:xfrm>
+        </p:spPr>
+        <p:txBody>
+          <a:bodyPr vert="horz" lIns="91440" tIns="45720" rIns="91440" bIns="45720" rtlCol="0" anchor="b">
+            <a:normAutofit/>
+          </a:bodyPr>
+          <a:lstStyle/>
+          <a:p>
+            <a:pPr algn="ctr"/>
+            <a:r>
+              <a:rPr lang="en-US" sz="5400" dirty="0" err="1">
+                <a:solidFill>
+                  <a:srgbClr val="FFFFFF"/>
+                </a:solidFill>
+              </a:rPr>
+              <a:t>Verschiedene</a:t>
+            </a:r>
+            <a:r>
+              <a:rPr lang="en-US" sz="5400" dirty="0">
+                <a:solidFill>
+                  <a:srgbClr val="FFFFFF"/>
+                </a:solidFill>
+              </a:rPr>
+              <a:t> Branches</a:t>
+            </a:r>
+            <a:endParaRPr lang="en-US" sz="5400" kern="1200" dirty="0">
+              <a:solidFill>
+                <a:srgbClr val="FFFFFF"/>
+              </a:solidFill>
+              <a:latin typeface="+mj-lt"/>
+              <a:ea typeface="+mj-ea"/>
+              <a:cs typeface="+mj-cs"/>
+            </a:endParaRPr>
+          </a:p>
+        </p:txBody>
+      </p:sp>
+      <p:cxnSp>
+        <p:nvCxnSpPr>
+          <p:cNvPr id="12" name="Straight Connector 11">
+            <a:extLst>
+              <a:ext uri="{FF2B5EF4-FFF2-40B4-BE49-F238E27FC236}">
+                <a16:creationId xmlns:a16="http://schemas.microsoft.com/office/drawing/2014/main" id="{7E7C77BC-7138-40B1-A15B-20F57A494629}"/>
+              </a:ext>
+              <a:ext uri="{C183D7F6-B498-43B3-948B-1728B52AA6E4}">
+                <adec:decorative xmlns:adec="http://schemas.microsoft.com/office/drawing/2017/decorative" val="1"/>
+              </a:ext>
+            </a:extLst>
+          </p:cNvPr>
+          <p:cNvCxnSpPr>
+            <a:cxnSpLocks noGrp="1" noRot="1" noChangeAspect="1" noMove="1" noResize="1" noEditPoints="1" noAdjustHandles="1" noChangeArrowheads="1" noChangeShapeType="1"/>
+          </p:cNvCxnSpPr>
+          <p:nvPr>
+            <p:extLst>
+              <p:ext uri="{386F3935-93C4-4BCD-93E2-E3B085C9AB24}">
+                <p16:designElem xmlns:p16="http://schemas.microsoft.com/office/powerpoint/2015/main" val="1"/>
+              </p:ext>
+            </p:extLst>
+          </p:nvPr>
+        </p:nvCxnSpPr>
+        <p:spPr>
+          <a:xfrm>
+            <a:off x="2209800" y="1448631"/>
+            <a:ext cx="7772400" cy="0"/>
+          </a:xfrm>
+          <a:prstGeom prst="line">
+            <a:avLst/>
+          </a:prstGeom>
+          <a:ln w="22225">
+            <a:solidFill>
+              <a:srgbClr val="D9D9D9"/>
+            </a:solidFill>
+          </a:ln>
+        </p:spPr>
+        <p:style>
+          <a:lnRef idx="1">
+            <a:schemeClr val="accent1"/>
+          </a:lnRef>
+          <a:fillRef idx="0">
+            <a:schemeClr val="accent1"/>
+          </a:fillRef>
+          <a:effectRef idx="0">
+            <a:schemeClr val="accent1"/>
+          </a:effectRef>
+          <a:fontRef idx="minor">
+            <a:schemeClr val="tx1"/>
+          </a:fontRef>
+        </p:style>
+      </p:cxnSp>
+      <p:pic>
+        <p:nvPicPr>
+          <p:cNvPr id="5" name="Inhaltsplatzhalter 4">
+            <a:extLst>
+              <a:ext uri="{FF2B5EF4-FFF2-40B4-BE49-F238E27FC236}">
+                <a16:creationId xmlns:a16="http://schemas.microsoft.com/office/drawing/2014/main" id="{3411822E-FAC5-F107-E989-F2156FED3865}"/>
+              </a:ext>
+            </a:extLst>
+          </p:cNvPr>
+          <p:cNvPicPr>
+            <a:picLocks noGrp="1" noChangeAspect="1"/>
+          </p:cNvPicPr>
+          <p:nvPr>
+            <p:ph idx="1"/>
+          </p:nvPr>
+        </p:nvPicPr>
+        <p:blipFill>
+          <a:blip r:embed="rId2"/>
+          <a:stretch>
+            <a:fillRect/>
+          </a:stretch>
+        </p:blipFill>
+        <p:spPr>
+          <a:xfrm>
+            <a:off x="320040" y="2611753"/>
+            <a:ext cx="11496821" cy="3793953"/>
+          </a:xfrm>
+          <a:prstGeom prst="rect">
+            <a:avLst/>
+          </a:prstGeom>
+        </p:spPr>
+      </p:pic>
+    </p:spTree>
+    <p:extLst>
+      <p:ext uri="{BB962C8B-B14F-4D97-AF65-F5344CB8AC3E}">
+        <p14:creationId xmlns:p14="http://schemas.microsoft.com/office/powerpoint/2010/main" val="4209120112"/>
+      </p:ext>
+    </p:extLst>
+  </p:cSld>
+  <p:clrMapOvr>
+    <a:masterClrMapping/>
+  </p:clrMapOvr>
+</p:sld>
+</file>
+
+<file path=ppt/slides/slide7.xml><?xml version="1.0" encoding="utf-8"?>
+<p:sld xmlns:a="http://schemas.openxmlformats.org/drawingml/2006/main" xmlns:r="http://schemas.openxmlformats.org/officeDocument/2006/relationships" xmlns:p="http://schemas.openxmlformats.org/presentationml/2006/main">
+  <p:cSld>
+    <p:bg>
+      <p:bgPr>
+        <a:solidFill>
+          <a:schemeClr val="tx1"/>
+        </a:solidFill>
+        <a:effectLst/>
+      </p:bgPr>
+    </p:bg>
+    <p:spTree>
+      <p:nvGrpSpPr>
+        <p:cNvPr id="1" name=""/>
+        <p:cNvGrpSpPr/>
+        <p:nvPr/>
+      </p:nvGrpSpPr>
+      <p:grpSpPr>
+        <a:xfrm>
+          <a:off x="0" y="0"/>
+          <a:ext cx="0" cy="0"/>
+          <a:chOff x="0" y="0"/>
+          <a:chExt cx="0" cy="0"/>
+        </a:xfrm>
+      </p:grpSpPr>
+      <p:pic>
+        <p:nvPicPr>
+          <p:cNvPr id="5" name="Inhaltsplatzhalter 4">
+            <a:extLst>
+              <a:ext uri="{FF2B5EF4-FFF2-40B4-BE49-F238E27FC236}">
+                <a16:creationId xmlns:a16="http://schemas.microsoft.com/office/drawing/2014/main" id="{82CD76A7-F01B-470B-020E-0EA90E677783}"/>
+              </a:ext>
+            </a:extLst>
+          </p:cNvPr>
+          <p:cNvPicPr>
+            <a:picLocks noGrp="1" noChangeAspect="1"/>
+          </p:cNvPicPr>
+          <p:nvPr>
+            <p:ph idx="1"/>
+          </p:nvPr>
+        </p:nvPicPr>
+        <p:blipFill rotWithShape="1">
+          <a:blip r:embed="rId2"/>
+          <a:srcRect b="5063"/>
+          <a:stretch/>
+        </p:blipFill>
+        <p:spPr>
+          <a:xfrm>
+            <a:off x="1027260" y="1118162"/>
+            <a:ext cx="10204154" cy="5739838"/>
+          </a:xfrm>
+          <a:prstGeom prst="rect">
+            <a:avLst/>
+          </a:prstGeom>
+        </p:spPr>
+      </p:pic>
+      <p:sp>
+        <p:nvSpPr>
+          <p:cNvPr id="30" name="Rectangle 18">
+            <a:extLst>
+              <a:ext uri="{FF2B5EF4-FFF2-40B4-BE49-F238E27FC236}">
+                <a16:creationId xmlns:a16="http://schemas.microsoft.com/office/drawing/2014/main" id="{37C89E4B-3C9F-44B9-8B86-D9E3D112D8EC}"/>
+              </a:ext>
+              <a:ext uri="{C183D7F6-B498-43B3-948B-1728B52AA6E4}">
+                <adec:decorative xmlns:adec="http://schemas.microsoft.com/office/drawing/2017/decorative" val="1"/>
+              </a:ext>
+            </a:extLst>
+          </p:cNvPr>
+          <p:cNvSpPr>
+            <a:spLocks noGrp="1" noRot="1" noChangeAspect="1" noMove="1" noResize="1" noEditPoints="1" noAdjustHandles="1" noChangeArrowheads="1" noChangeShapeType="1" noTextEdit="1"/>
+          </p:cNvSpPr>
+          <p:nvPr>
+            <p:extLst>
+              <p:ext uri="{386F3935-93C4-4BCD-93E2-E3B085C9AB24}">
+                <p16:designElem xmlns:p16="http://schemas.microsoft.com/office/powerpoint/2015/main" val="1"/>
+              </p:ext>
+            </p:extLst>
+          </p:nvPr>
+        </p:nvSpPr>
+        <p:spPr>
+          <a:xfrm>
+            <a:off x="0" y="428852"/>
+            <a:ext cx="12192000" cy="736551"/>
+          </a:xfrm>
+          <a:prstGeom prst="rect">
+            <a:avLst/>
+          </a:prstGeom>
+          <a:solidFill>
+            <a:schemeClr val="bg1">
+              <a:alpha val="93000"/>
+            </a:schemeClr>
+          </a:solidFill>
+          <a:ln>
+            <a:noFill/>
+          </a:ln>
+        </p:spPr>
+        <p:style>
+          <a:lnRef idx="2">
+            <a:schemeClr val="accent1">
+              <a:shade val="50000"/>
+            </a:schemeClr>
+          </a:lnRef>
+          <a:fillRef idx="1">
+            <a:schemeClr val="accent1"/>
+          </a:fillRef>
+          <a:effectRef idx="0">
+            <a:schemeClr val="accent1"/>
+          </a:effectRef>
+          <a:fontRef idx="minor">
+            <a:schemeClr val="lt1"/>
+          </a:fontRef>
+        </p:style>
+        <p:txBody>
+          <a:bodyPr rtlCol="0" anchor="ctr"/>
+          <a:lstStyle/>
+          <a:p>
+            <a:pPr algn="ctr"/>
+            <a:endParaRPr lang="en-US"/>
+          </a:p>
+        </p:txBody>
+      </p:sp>
+      <p:sp>
+        <p:nvSpPr>
+          <p:cNvPr id="2" name="Titel 1">
+            <a:extLst>
+              <a:ext uri="{FF2B5EF4-FFF2-40B4-BE49-F238E27FC236}">
+                <a16:creationId xmlns:a16="http://schemas.microsoft.com/office/drawing/2014/main" id="{4F5848C6-C18A-914E-BF69-219E4E9F6A96}"/>
+              </a:ext>
+            </a:extLst>
+          </p:cNvPr>
+          <p:cNvSpPr>
+            <a:spLocks noGrp="1"/>
+          </p:cNvSpPr>
+          <p:nvPr>
+            <p:ph type="title"/>
+          </p:nvPr>
+        </p:nvSpPr>
+        <p:spPr>
+          <a:xfrm>
+            <a:off x="523875" y="425950"/>
+            <a:ext cx="11210925" cy="744836"/>
+          </a:xfrm>
+        </p:spPr>
+        <p:txBody>
+          <a:bodyPr vert="horz" lIns="91440" tIns="45720" rIns="91440" bIns="45720" rtlCol="0" anchor="ctr">
+            <a:normAutofit/>
+          </a:bodyPr>
+          <a:lstStyle/>
+          <a:p>
+            <a:pPr algn="ctr"/>
+            <a:r>
+              <a:rPr lang="en-US" sz="3600">
+                <a:solidFill>
+                  <a:schemeClr val="tx1">
+                    <a:lumMod val="85000"/>
+                    <a:lumOff val="15000"/>
+                  </a:schemeClr>
+                </a:solidFill>
+              </a:rPr>
+              <a:t>Ein Pull</a:t>
+            </a:r>
+          </a:p>
+        </p:txBody>
+      </p:sp>
+      <p:cxnSp>
+        <p:nvCxnSpPr>
+          <p:cNvPr id="31" name="Straight Connector 20">
+            <a:extLst>
+              <a:ext uri="{FF2B5EF4-FFF2-40B4-BE49-F238E27FC236}">
+                <a16:creationId xmlns:a16="http://schemas.microsoft.com/office/drawing/2014/main" id="{AA2EAA10-076F-46BD-8F0F-B9A2FB77A85C}"/>
+              </a:ext>
+              <a:ext uri="{C183D7F6-B498-43B3-948B-1728B52AA6E4}">
+                <adec:decorative xmlns:adec="http://schemas.microsoft.com/office/drawing/2017/decorative" val="1"/>
+              </a:ext>
+            </a:extLst>
+          </p:cNvPr>
+          <p:cNvCxnSpPr>
+            <a:cxnSpLocks noGrp="1" noRot="1" noChangeAspect="1" noMove="1" noResize="1" noEditPoints="1" noAdjustHandles="1" noChangeArrowheads="1" noChangeShapeType="1"/>
+          </p:cNvCxnSpPr>
+          <p:nvPr>
+            <p:extLst>
+              <p:ext uri="{386F3935-93C4-4BCD-93E2-E3B085C9AB24}">
+                <p16:designElem xmlns:p16="http://schemas.microsoft.com/office/powerpoint/2015/main" val="1"/>
+              </p:ext>
+            </p:extLst>
+          </p:nvPr>
+        </p:nvCxnSpPr>
+        <p:spPr>
+          <a:xfrm>
+            <a:off x="0" y="350693"/>
+            <a:ext cx="12192000" cy="0"/>
+          </a:xfrm>
+          <a:prstGeom prst="line">
+            <a:avLst/>
+          </a:prstGeom>
+          <a:ln w="41275">
+            <a:solidFill>
+              <a:schemeClr val="bg1">
+                <a:alpha val="90000"/>
+              </a:schemeClr>
+            </a:solidFill>
+          </a:ln>
+        </p:spPr>
+        <p:style>
+          <a:lnRef idx="1">
+            <a:schemeClr val="accent1"/>
+          </a:lnRef>
+          <a:fillRef idx="0">
+            <a:schemeClr val="accent1"/>
+          </a:fillRef>
+          <a:effectRef idx="0">
+            <a:schemeClr val="accent1"/>
+          </a:effectRef>
+          <a:fontRef idx="minor">
+            <a:schemeClr val="tx1"/>
+          </a:fontRef>
+        </p:style>
+      </p:cxnSp>
+      <p:cxnSp>
+        <p:nvCxnSpPr>
+          <p:cNvPr id="32" name="Straight Connector 22">
+            <a:extLst>
+              <a:ext uri="{FF2B5EF4-FFF2-40B4-BE49-F238E27FC236}">
+                <a16:creationId xmlns:a16="http://schemas.microsoft.com/office/drawing/2014/main" id="{D891E407-403B-4764-86C9-33A56D3BCAA3}"/>
+              </a:ext>
+              <a:ext uri="{C183D7F6-B498-43B3-948B-1728B52AA6E4}">
+                <adec:decorative xmlns:adec="http://schemas.microsoft.com/office/drawing/2017/decorative" val="1"/>
+              </a:ext>
+            </a:extLst>
+          </p:cNvPr>
+          <p:cNvCxnSpPr>
+            <a:cxnSpLocks noGrp="1" noRot="1" noChangeAspect="1" noMove="1" noResize="1" noEditPoints="1" noAdjustHandles="1" noChangeArrowheads="1" noChangeShapeType="1"/>
+          </p:cNvCxnSpPr>
+          <p:nvPr>
+            <p:extLst>
+              <p:ext uri="{386F3935-93C4-4BCD-93E2-E3B085C9AB24}">
+                <p16:designElem xmlns:p16="http://schemas.microsoft.com/office/powerpoint/2015/main" val="1"/>
+              </p:ext>
+            </p:extLst>
+          </p:nvPr>
+        </p:nvCxnSpPr>
+        <p:spPr>
+          <a:xfrm>
+            <a:off x="0" y="1243562"/>
+            <a:ext cx="12192000" cy="0"/>
+          </a:xfrm>
+          <a:prstGeom prst="line">
+            <a:avLst/>
+          </a:prstGeom>
+          <a:ln w="41275">
+            <a:solidFill>
+              <a:schemeClr val="bg1">
+                <a:alpha val="90000"/>
+              </a:schemeClr>
+            </a:solidFill>
+          </a:ln>
+        </p:spPr>
+        <p:style>
+          <a:lnRef idx="1">
+            <a:schemeClr val="accent1"/>
+          </a:lnRef>
+          <a:fillRef idx="0">
+            <a:schemeClr val="accent1"/>
+          </a:fillRef>
+          <a:effectRef idx="0">
+            <a:schemeClr val="accent1"/>
+          </a:effectRef>
+          <a:fontRef idx="minor">
+            <a:schemeClr val="tx1"/>
+          </a:fontRef>
+        </p:style>
+      </p:cxnSp>
+    </p:spTree>
+    <p:extLst>
+      <p:ext uri="{BB962C8B-B14F-4D97-AF65-F5344CB8AC3E}">
+        <p14:creationId xmlns:p14="http://schemas.microsoft.com/office/powerpoint/2010/main" val="993940760"/>
+      </p:ext>
+    </p:extLst>
+  </p:cSld>
+  <p:clrMapOvr>
+    <a:masterClrMapping/>
+  </p:clrMapOvr>
+</p:sld>
+</file>
+
+<file path=ppt/slides/slide8.xml><?xml version="1.0" encoding="utf-8"?>
+<p:sld xmlns:a="http://schemas.openxmlformats.org/drawingml/2006/main" xmlns:r="http://schemas.openxmlformats.org/officeDocument/2006/relationships" xmlns:p="http://schemas.openxmlformats.org/presentationml/2006/main">
+  <p:cSld>
+    <p:bg>
+      <p:bgPr>
+        <a:solidFill>
+          <a:schemeClr val="tx1"/>
+        </a:solidFill>
+        <a:effectLst/>
+      </p:bgPr>
+    </p:bg>
+    <p:spTree>
+      <p:nvGrpSpPr>
+        <p:cNvPr id="1" name=""/>
+        <p:cNvGrpSpPr/>
+        <p:nvPr/>
+      </p:nvGrpSpPr>
+      <p:grpSpPr>
+        <a:xfrm>
+          <a:off x="0" y="0"/>
+          <a:ext cx="0" cy="0"/>
+          <a:chOff x="0" y="0"/>
+          <a:chExt cx="0" cy="0"/>
+        </a:xfrm>
+      </p:grpSpPr>
+      <p:sp>
+        <p:nvSpPr>
+          <p:cNvPr id="2" name="Titel 1">
+            <a:extLst>
+              <a:ext uri="{FF2B5EF4-FFF2-40B4-BE49-F238E27FC236}">
+                <a16:creationId xmlns:a16="http://schemas.microsoft.com/office/drawing/2014/main" id="{D933CBD4-40E3-E690-D45F-62E388614A3A}"/>
+              </a:ext>
+            </a:extLst>
+          </p:cNvPr>
+          <p:cNvSpPr>
+            <a:spLocks noGrp="1"/>
+          </p:cNvSpPr>
+          <p:nvPr>
+            <p:ph type="title"/>
+          </p:nvPr>
+        </p:nvSpPr>
+        <p:spPr/>
+        <p:txBody>
+          <a:bodyPr/>
+          <a:lstStyle/>
+          <a:p>
+            <a:endParaRPr lang="de-DE"/>
+          </a:p>
+        </p:txBody>
+      </p:sp>
+      <p:pic>
+        <p:nvPicPr>
+          <p:cNvPr id="5" name="Inhaltsplatzhalter 4">
+            <a:extLst>
+              <a:ext uri="{FF2B5EF4-FFF2-40B4-BE49-F238E27FC236}">
+                <a16:creationId xmlns:a16="http://schemas.microsoft.com/office/drawing/2014/main" id="{2FB5F298-5074-A647-3416-FA3AB08AD1A1}"/>
+              </a:ext>
+            </a:extLst>
+          </p:cNvPr>
+          <p:cNvPicPr>
+            <a:picLocks noGrp="1" noChangeAspect="1"/>
+          </p:cNvPicPr>
+          <p:nvPr>
+            <p:ph idx="1"/>
+          </p:nvPr>
+        </p:nvPicPr>
+        <p:blipFill>
+          <a:blip r:embed="rId2"/>
+          <a:stretch>
+            <a:fillRect/>
+          </a:stretch>
+        </p:blipFill>
+        <p:spPr>
+          <a:xfrm>
+            <a:off x="305619" y="-26894"/>
+            <a:ext cx="11580762" cy="6809591"/>
+          </a:xfrm>
+        </p:spPr>
+      </p:pic>
+    </p:spTree>
+    <p:extLst>
+      <p:ext uri="{BB962C8B-B14F-4D97-AF65-F5344CB8AC3E}">
+        <p14:creationId xmlns:p14="http://schemas.microsoft.com/office/powerpoint/2010/main" val="3442172935"/>
+      </p:ext>
+    </p:extLst>
+  </p:cSld>
+  <p:clrMapOvr>
+    <a:masterClrMapping/>
+  </p:clrMapOvr>
+</p:sld>
+</file>
+
+<file path=ppt/slides/slide9.xml><?xml version="1.0" encoding="utf-8"?>
+<p:sld xmlns:a="http://schemas.openxmlformats.org/drawingml/2006/main" xmlns:r="http://schemas.openxmlformats.org/officeDocument/2006/relationships" xmlns:p="http://schemas.openxmlformats.org/presentationml/2006/main">
+  <p:cSld>
+    <p:bg>
+      <p:bgPr>
+        <a:solidFill>
+          <a:schemeClr val="tx1"/>
+        </a:solidFill>
+        <a:effectLst/>
+      </p:bgPr>
+    </p:bg>
+    <p:spTree>
+      <p:nvGrpSpPr>
+        <p:cNvPr id="1" name=""/>
+        <p:cNvGrpSpPr/>
+        <p:nvPr/>
+      </p:nvGrpSpPr>
+      <p:grpSpPr>
+        <a:xfrm>
+          <a:off x="0" y="0"/>
+          <a:ext cx="0" cy="0"/>
+          <a:chOff x="0" y="0"/>
+          <a:chExt cx="0" cy="0"/>
+        </a:xfrm>
+      </p:grpSpPr>
+      <p:sp>
+        <p:nvSpPr>
+          <p:cNvPr id="10" name="Rectangle 9">
+            <a:extLst>
+              <a:ext uri="{FF2B5EF4-FFF2-40B4-BE49-F238E27FC236}">
+                <a16:creationId xmlns:a16="http://schemas.microsoft.com/office/drawing/2014/main" id="{A4AC5506-6312-4701-8D3C-40187889A947}"/>
+              </a:ext>
+              <a:ext uri="{C183D7F6-B498-43B3-948B-1728B52AA6E4}">
+                <adec:decorative xmlns:adec="http://schemas.microsoft.com/office/drawing/2017/decorative" val="1"/>
+              </a:ext>
+            </a:extLst>
+          </p:cNvPr>
+          <p:cNvSpPr>
+            <a:spLocks noGrp="1" noRot="1" noChangeAspect="1" noMove="1" noResize="1" noEditPoints="1" noAdjustHandles="1" noChangeArrowheads="1" noChangeShapeType="1" noTextEdit="1"/>
+          </p:cNvSpPr>
+          <p:nvPr>
+            <p:extLst>
+              <p:ext uri="{386F3935-93C4-4BCD-93E2-E3B085C9AB24}">
+                <p16:designElem xmlns:p16="http://schemas.microsoft.com/office/powerpoint/2015/main" val="1"/>
+              </p:ext>
+            </p:extLst>
+          </p:nvPr>
+        </p:nvSpPr>
+        <p:spPr>
+          <a:xfrm>
+            <a:off x="0" y="651752"/>
+            <a:ext cx="12192000" cy="736551"/>
+          </a:xfrm>
+          <a:prstGeom prst="rect">
+            <a:avLst/>
+          </a:prstGeom>
+          <a:solidFill>
+            <a:schemeClr val="tx1"/>
+          </a:solidFill>
+          <a:ln>
+            <a:noFill/>
+          </a:ln>
+        </p:spPr>
+        <p:style>
+          <a:lnRef idx="2">
+            <a:schemeClr val="accent1">
+              <a:shade val="50000"/>
+            </a:schemeClr>
+          </a:lnRef>
+          <a:fillRef idx="1">
+            <a:schemeClr val="accent1"/>
+          </a:fillRef>
+          <a:effectRef idx="0">
+            <a:schemeClr val="accent1"/>
+          </a:effectRef>
+          <a:fontRef idx="minor">
+            <a:schemeClr val="lt1"/>
+          </a:fontRef>
+        </p:style>
+        <p:txBody>
+          <a:bodyPr rtlCol="0" anchor="ctr"/>
+          <a:lstStyle/>
+          <a:p>
+            <a:pPr algn="ctr"/>
+            <a:endParaRPr lang="en-US"/>
+          </a:p>
+        </p:txBody>
+      </p:sp>
+      <p:sp>
+        <p:nvSpPr>
+          <p:cNvPr id="2" name="Titel 1">
+            <a:extLst>
+              <a:ext uri="{FF2B5EF4-FFF2-40B4-BE49-F238E27FC236}">
+                <a16:creationId xmlns:a16="http://schemas.microsoft.com/office/drawing/2014/main" id="{AA18347D-5A6A-45CB-6281-0552F6296038}"/>
+              </a:ext>
+            </a:extLst>
+          </p:cNvPr>
+          <p:cNvSpPr>
+            <a:spLocks noGrp="1"/>
+          </p:cNvSpPr>
+          <p:nvPr>
+            <p:ph type="title"/>
+          </p:nvPr>
+        </p:nvSpPr>
+        <p:spPr>
+          <a:xfrm>
+            <a:off x="556532" y="643467"/>
+            <a:ext cx="11210925" cy="744836"/>
+          </a:xfrm>
+        </p:spPr>
+        <p:txBody>
+          <a:bodyPr vert="horz" lIns="91440" tIns="45720" rIns="91440" bIns="45720" rtlCol="0" anchor="ctr">
+            <a:normAutofit/>
+          </a:bodyPr>
+          <a:lstStyle/>
+          <a:p>
+            <a:pPr algn="ctr"/>
+            <a:r>
+              <a:rPr lang="en-US" sz="3200" kern="1200" dirty="0" err="1">
+                <a:solidFill>
+                  <a:schemeClr val="bg1"/>
+                </a:solidFill>
+                <a:latin typeface="+mj-lt"/>
+                <a:ea typeface="+mj-ea"/>
+                <a:cs typeface="+mj-cs"/>
+              </a:rPr>
+              <a:t>Versionsvergleich</a:t>
+            </a:r>
+            <a:r>
+              <a:rPr lang="en-US" sz="3200" kern="1200" dirty="0">
+                <a:solidFill>
+                  <a:schemeClr val="bg1"/>
+                </a:solidFill>
+                <a:latin typeface="+mj-lt"/>
+                <a:ea typeface="+mj-ea"/>
+                <a:cs typeface="+mj-cs"/>
+              </a:rPr>
+              <a:t> </a:t>
+            </a:r>
+            <a:r>
+              <a:rPr lang="en-US" sz="3200" kern="1200" dirty="0" err="1">
+                <a:solidFill>
+                  <a:schemeClr val="bg1"/>
+                </a:solidFill>
+                <a:latin typeface="+mj-lt"/>
+                <a:ea typeface="+mj-ea"/>
+                <a:cs typeface="+mj-cs"/>
+              </a:rPr>
+              <a:t>bei</a:t>
+            </a:r>
+            <a:r>
+              <a:rPr lang="en-US" sz="3200" kern="1200" dirty="0">
+                <a:solidFill>
+                  <a:schemeClr val="bg1"/>
+                </a:solidFill>
+                <a:latin typeface="+mj-lt"/>
+                <a:ea typeface="+mj-ea"/>
+                <a:cs typeface="+mj-cs"/>
+              </a:rPr>
+              <a:t> </a:t>
+            </a:r>
+            <a:r>
+              <a:rPr lang="en-US" sz="3200" kern="1200" dirty="0" err="1">
+                <a:solidFill>
+                  <a:schemeClr val="bg1"/>
+                </a:solidFill>
+                <a:latin typeface="+mj-lt"/>
+                <a:ea typeface="+mj-ea"/>
+                <a:cs typeface="+mj-cs"/>
+              </a:rPr>
+              <a:t>Mergeanfrage</a:t>
+            </a:r>
+            <a:r>
+              <a:rPr lang="en-US" sz="3200" kern="1200" dirty="0">
+                <a:solidFill>
+                  <a:schemeClr val="bg1"/>
+                </a:solidFill>
+                <a:latin typeface="+mj-lt"/>
+                <a:ea typeface="+mj-ea"/>
+                <a:cs typeface="+mj-cs"/>
+              </a:rPr>
+              <a:t>/Pull</a:t>
+            </a:r>
+          </a:p>
+        </p:txBody>
+      </p:sp>
+      <p:pic>
+        <p:nvPicPr>
+          <p:cNvPr id="5" name="Inhaltsplatzhalter 4">
+            <a:extLst>
+              <a:ext uri="{FF2B5EF4-FFF2-40B4-BE49-F238E27FC236}">
+                <a16:creationId xmlns:a16="http://schemas.microsoft.com/office/drawing/2014/main" id="{58F5EC68-5FB7-ECBE-30C8-2D8687F00F20}"/>
+              </a:ext>
+            </a:extLst>
+          </p:cNvPr>
+          <p:cNvPicPr>
+            <a:picLocks noGrp="1" noChangeAspect="1"/>
+          </p:cNvPicPr>
+          <p:nvPr>
+            <p:ph idx="1"/>
+          </p:nvPr>
+        </p:nvPicPr>
+        <p:blipFill>
+          <a:blip r:embed="rId2"/>
+          <a:stretch>
+            <a:fillRect/>
+          </a:stretch>
+        </p:blipFill>
+        <p:spPr>
+          <a:xfrm>
+            <a:off x="-1" y="1396588"/>
+            <a:ext cx="12183447" cy="4020539"/>
+          </a:xfrm>
+          <a:prstGeom prst="rect">
+            <a:avLst/>
+          </a:prstGeom>
+        </p:spPr>
+      </p:pic>
+    </p:spTree>
+    <p:extLst>
+      <p:ext uri="{BB962C8B-B14F-4D97-AF65-F5344CB8AC3E}">
+        <p14:creationId xmlns:p14="http://schemas.microsoft.com/office/powerpoint/2010/main" val="512842734"/>
       </p:ext>
     </p:extLst>
   </p:cSld>
